--- a/Lab/AI/AI (Project_Proposal).pptx
+++ b/Lab/AI/AI (Project_Proposal).pptx
@@ -5,16 +5,17 @@
     <p:sldMasterId id="2147483660" r:id="rId4"/>
   </p:sldMasterIdLst>
   <p:notesMasterIdLst>
-    <p:notesMasterId r:id="rId9"/>
+    <p:notesMasterId r:id="rId10"/>
   </p:notesMasterIdLst>
   <p:handoutMasterIdLst>
-    <p:handoutMasterId r:id="rId10"/>
+    <p:handoutMasterId r:id="rId11"/>
   </p:handoutMasterIdLst>
   <p:sldIdLst>
-    <p:sldId id="257" r:id="rId5"/>
-    <p:sldId id="267" r:id="rId6"/>
-    <p:sldId id="268" r:id="rId7"/>
-    <p:sldId id="269" r:id="rId8"/>
+    <p:sldId id="1850" r:id="rId5"/>
+    <p:sldId id="257" r:id="rId6"/>
+    <p:sldId id="267" r:id="rId7"/>
+    <p:sldId id="268" r:id="rId8"/>
+    <p:sldId id="269" r:id="rId9"/>
   </p:sldIdLst>
   <p:sldSz cx="6858000" cy="9144000" type="letter"/>
   <p:notesSz cx="6858000" cy="9144000"/>
@@ -277,7 +278,7 @@
           <a:p>
             <a:fld id="{963396E7-87BF-864A-BE04-A221C272D6E1}" type="datetimeFigureOut">
               <a:rPr lang="en-US" smtClean="0"/>
-              <a:t>4/14/2025</a:t>
+              <a:t>4/24/2025</a:t>
             </a:fld>
             <a:endParaRPr lang="en-US" dirty="0"/>
           </a:p>
@@ -454,7 +455,7 @@
           <a:p>
             <a:fld id="{D9BDC7F0-27B3-48E7-9288-964E7EEDAEE4}" type="datetimeFigureOut">
               <a:rPr lang="en-US" smtClean="0"/>
-              <a:t>4/14/2025</a:t>
+              <a:t>4/24/2025</a:t>
             </a:fld>
             <a:endParaRPr lang="en-US" dirty="0"/>
           </a:p>
@@ -721,6 +722,120 @@
 </p:notesMaster>
 </file>
 
+<file path=ppt/notesSlides/notesSlide1.xml><?xml version="1.0" encoding="utf-8"?>
+<p:notes xmlns:a="http://schemas.openxmlformats.org/drawingml/2006/main" xmlns:r="http://schemas.openxmlformats.org/officeDocument/2006/relationships" xmlns:p="http://schemas.openxmlformats.org/presentationml/2006/main">
+  <p:cSld>
+    <p:spTree>
+      <p:nvGrpSpPr>
+        <p:cNvPr id="1" name="">
+          <a:extLst>
+            <a:ext uri="{FF2B5EF4-FFF2-40B4-BE49-F238E27FC236}">
+              <a16:creationId xmlns:a16="http://schemas.microsoft.com/office/drawing/2014/main" id="{DD3E97B2-E55F-265A-CC75-32FC01845EC6}"/>
+            </a:ext>
+          </a:extLst>
+        </p:cNvPr>
+        <p:cNvGrpSpPr/>
+        <p:nvPr/>
+      </p:nvGrpSpPr>
+      <p:grpSpPr>
+        <a:xfrm>
+          <a:off x="0" y="0"/>
+          <a:ext cx="0" cy="0"/>
+          <a:chOff x="0" y="0"/>
+          <a:chExt cx="0" cy="0"/>
+        </a:xfrm>
+      </p:grpSpPr>
+      <p:sp>
+        <p:nvSpPr>
+          <p:cNvPr id="2" name="Slide Image Placeholder 1">
+            <a:extLst>
+              <a:ext uri="{FF2B5EF4-FFF2-40B4-BE49-F238E27FC236}">
+                <a16:creationId xmlns:a16="http://schemas.microsoft.com/office/drawing/2014/main" id="{9956F166-6466-AA63-BA40-A7357C12FFE3}"/>
+              </a:ext>
+            </a:extLst>
+          </p:cNvPr>
+          <p:cNvSpPr>
+            <a:spLocks noGrp="1" noRot="1" noChangeAspect="1"/>
+          </p:cNvSpPr>
+          <p:nvPr>
+            <p:ph type="sldImg"/>
+          </p:nvPr>
+        </p:nvSpPr>
+        <p:spPr>
+          <a:xfrm>
+            <a:off x="2143125" y="685800"/>
+            <a:ext cx="2571750" cy="3429000"/>
+          </a:xfrm>
+        </p:spPr>
+      </p:sp>
+      <p:sp>
+        <p:nvSpPr>
+          <p:cNvPr id="3" name="Notes Placeholder 2">
+            <a:extLst>
+              <a:ext uri="{FF2B5EF4-FFF2-40B4-BE49-F238E27FC236}">
+                <a16:creationId xmlns:a16="http://schemas.microsoft.com/office/drawing/2014/main" id="{52DD77E7-E123-1587-741F-51F1988D833C}"/>
+              </a:ext>
+            </a:extLst>
+          </p:cNvPr>
+          <p:cNvSpPr>
+            <a:spLocks noGrp="1"/>
+          </p:cNvSpPr>
+          <p:nvPr>
+            <p:ph type="body" idx="1"/>
+          </p:nvPr>
+        </p:nvSpPr>
+        <p:spPr/>
+        <p:txBody>
+          <a:bodyPr/>
+          <a:lstStyle/>
+          <a:p>
+            <a:endParaRPr lang="en-US" dirty="0"/>
+          </a:p>
+        </p:txBody>
+      </p:sp>
+      <p:sp>
+        <p:nvSpPr>
+          <p:cNvPr id="4" name="Slide Number Placeholder 3">
+            <a:extLst>
+              <a:ext uri="{FF2B5EF4-FFF2-40B4-BE49-F238E27FC236}">
+                <a16:creationId xmlns:a16="http://schemas.microsoft.com/office/drawing/2014/main" id="{4D9F40F6-AC57-35A5-B6A5-A054935A7045}"/>
+              </a:ext>
+            </a:extLst>
+          </p:cNvPr>
+          <p:cNvSpPr>
+            <a:spLocks noGrp="1"/>
+          </p:cNvSpPr>
+          <p:nvPr>
+            <p:ph type="sldNum" sz="quarter" idx="5"/>
+          </p:nvPr>
+        </p:nvSpPr>
+        <p:spPr/>
+        <p:txBody>
+          <a:bodyPr/>
+          <a:lstStyle/>
+          <a:p>
+            <a:fld id="{6DEB7EE2-04A2-4FB2-9625-C9C73AC4D32F}" type="slidenum">
+              <a:rPr lang="en-US" altLang="en-US" smtClean="0"/>
+              <a:pPr/>
+              <a:t>1</a:t>
+            </a:fld>
+            <a:endParaRPr lang="en-US" altLang="en-US" dirty="0"/>
+          </a:p>
+        </p:txBody>
+      </p:sp>
+    </p:spTree>
+    <p:extLst>
+      <p:ext uri="{BB962C8B-B14F-4D97-AF65-F5344CB8AC3E}">
+        <p14:creationId xmlns:p14="http://schemas.microsoft.com/office/powerpoint/2010/main" val="640980451"/>
+      </p:ext>
+    </p:extLst>
+  </p:cSld>
+  <p:clrMapOvr>
+    <a:masterClrMapping/>
+  </p:clrMapOvr>
+</p:notes>
+</file>
+
 <file path=ppt/slideLayouts/slideLayout1.xml><?xml version="1.0" encoding="utf-8"?>
 <p:sldLayout xmlns:a="http://schemas.openxmlformats.org/drawingml/2006/main" xmlns:r="http://schemas.openxmlformats.org/officeDocument/2006/relationships" xmlns:p="http://schemas.openxmlformats.org/presentationml/2006/main" preserve="1" userDrawn="1">
   <p:cSld name="Custom Layout">
@@ -5150,7 +5265,7 @@
           <a:p>
             <a:fld id="{959F822C-F838-414C-BE88-4C36BDF8A5E0}" type="datetimeFigureOut">
               <a:rPr lang="en-US" smtClean="0"/>
-              <a:t>4/14/2025</a:t>
+              <a:t>4/24/2025</a:t>
             </a:fld>
             <a:endParaRPr lang="en-US"/>
           </a:p>
@@ -5220,6 +5335,232 @@
   <p:clrMapOvr>
     <a:masterClrMapping/>
   </p:clrMapOvr>
+</p:sldLayout>
+</file>
+
+<file path=ppt/slideLayouts/slideLayout4.xml><?xml version="1.0" encoding="utf-8"?>
+<p:sldLayout xmlns:a="http://schemas.openxmlformats.org/drawingml/2006/main" xmlns:r="http://schemas.openxmlformats.org/officeDocument/2006/relationships" xmlns:p="http://schemas.openxmlformats.org/presentationml/2006/main" userDrawn="1">
+  <p:cSld name="Overview">
+    <p:spTree>
+      <p:nvGrpSpPr>
+        <p:cNvPr id="1" name=""/>
+        <p:cNvGrpSpPr/>
+        <p:nvPr/>
+      </p:nvGrpSpPr>
+      <p:grpSpPr>
+        <a:xfrm>
+          <a:off x="0" y="0"/>
+          <a:ext cx="0" cy="0"/>
+          <a:chOff x="0" y="0"/>
+          <a:chExt cx="0" cy="0"/>
+        </a:xfrm>
+      </p:grpSpPr>
+      <p:pic>
+        <p:nvPicPr>
+          <p:cNvPr id="8" name="Picture Placeholder 6" descr="White Striped background">
+            <a:extLst>
+              <a:ext uri="{FF2B5EF4-FFF2-40B4-BE49-F238E27FC236}">
+                <a16:creationId xmlns:a16="http://schemas.microsoft.com/office/drawing/2014/main" id="{3917D528-010E-4303-97BF-F7F67BC66123}"/>
+              </a:ext>
+            </a:extLst>
+          </p:cNvPr>
+          <p:cNvPicPr>
+            <a:picLocks noChangeAspect="1"/>
+          </p:cNvPicPr>
+          <p:nvPr userDrawn="1"/>
+        </p:nvPicPr>
+        <p:blipFill rotWithShape="1">
+          <a:blip r:embed="rId2">
+            <a:extLst>
+              <a:ext uri="{28A0092B-C50C-407E-A947-70E740481C1C}">
+                <a14:useLocalDpi xmlns:a14="http://schemas.microsoft.com/office/drawing/2010/main" val="0"/>
+              </a:ext>
+            </a:extLst>
+          </a:blip>
+          <a:srcRect/>
+          <a:stretch/>
+        </p:blipFill>
+        <p:spPr>
+          <a:xfrm>
+            <a:off x="0" y="0"/>
+            <a:ext cx="6858000" cy="9144000"/>
+          </a:xfrm>
+          <a:prstGeom prst="rect">
+            <a:avLst/>
+          </a:prstGeom>
+        </p:spPr>
+      </p:pic>
+      <p:sp>
+        <p:nvSpPr>
+          <p:cNvPr id="5" name="Title 1">
+            <a:extLst>
+              <a:ext uri="{FF2B5EF4-FFF2-40B4-BE49-F238E27FC236}">
+                <a16:creationId xmlns:a16="http://schemas.microsoft.com/office/drawing/2014/main" id="{3D9303A2-B30A-054C-B809-053B909E125F}"/>
+              </a:ext>
+            </a:extLst>
+          </p:cNvPr>
+          <p:cNvSpPr>
+            <a:spLocks noGrp="1"/>
+          </p:cNvSpPr>
+          <p:nvPr>
+            <p:ph type="title" hasCustomPrompt="1"/>
+          </p:nvPr>
+        </p:nvSpPr>
+        <p:spPr>
+          <a:xfrm>
+            <a:off x="857983" y="1839848"/>
+            <a:ext cx="5142036" cy="1641514"/>
+          </a:xfrm>
+          <a:prstGeom prst="rect">
+            <a:avLst/>
+          </a:prstGeom>
+          <a:noFill/>
+        </p:spPr>
+        <p:txBody>
+          <a:bodyPr wrap="square" lIns="0" tIns="0" rIns="0" bIns="0" anchor="b" anchorCtr="0">
+            <a:spAutoFit/>
+          </a:bodyPr>
+          <a:lstStyle>
+            <a:lvl1pPr algn="ctr" defTabSz="1243649" rtl="0" eaLnBrk="1" latinLnBrk="0" hangingPunct="1">
+              <a:lnSpc>
+                <a:spcPct val="100000"/>
+              </a:lnSpc>
+              <a:spcBef>
+                <a:spcPct val="0"/>
+              </a:spcBef>
+              <a:buNone/>
+              <a:defRPr lang="en-US" sz="5334" b="1" i="0" kern="1200" cap="none" spc="-66" baseline="0" dirty="0">
+                <a:ln w="3175">
+                  <a:noFill/>
+                </a:ln>
+                <a:solidFill>
+                  <a:schemeClr val="tx1"/>
+                </a:solidFill>
+                <a:effectLst/>
+                <a:latin typeface="+mj-lt"/>
+                <a:ea typeface="+mn-ea"/>
+                <a:cs typeface="Segoe UI" pitchFamily="34" charset="0"/>
+              </a:defRPr>
+            </a:lvl1pPr>
+          </a:lstStyle>
+          <a:p>
+            <a:r>
+              <a:rPr lang="en-US" dirty="0"/>
+              <a:t>Insert title here</a:t>
+            </a:r>
+          </a:p>
+        </p:txBody>
+      </p:sp>
+      <p:sp>
+        <p:nvSpPr>
+          <p:cNvPr id="6" name="Text Placeholder 4">
+            <a:extLst>
+              <a:ext uri="{FF2B5EF4-FFF2-40B4-BE49-F238E27FC236}">
+                <a16:creationId xmlns:a16="http://schemas.microsoft.com/office/drawing/2014/main" id="{10F58DD1-3970-D84D-8040-EF33B0971D59}"/>
+              </a:ext>
+            </a:extLst>
+          </p:cNvPr>
+          <p:cNvSpPr>
+            <a:spLocks noGrp="1"/>
+          </p:cNvSpPr>
+          <p:nvPr>
+            <p:ph type="body" sz="quarter" idx="12" hasCustomPrompt="1"/>
+          </p:nvPr>
+        </p:nvSpPr>
+        <p:spPr>
+          <a:xfrm>
+            <a:off x="1235424" y="4347610"/>
+            <a:ext cx="4387155" cy="2046342"/>
+          </a:xfrm>
+          <a:prstGeom prst="rect">
+            <a:avLst/>
+          </a:prstGeom>
+          <a:noFill/>
+        </p:spPr>
+        <p:txBody>
+          <a:bodyPr wrap="square" lIns="0" tIns="0" rIns="0" bIns="0">
+            <a:noAutofit/>
+          </a:bodyPr>
+          <a:lstStyle>
+            <a:lvl1pPr marL="0" indent="0" algn="ctr">
+              <a:lnSpc>
+                <a:spcPct val="100000"/>
+              </a:lnSpc>
+              <a:spcBef>
+                <a:spcPts val="0"/>
+              </a:spcBef>
+              <a:spcAft>
+                <a:spcPts val="0"/>
+              </a:spcAft>
+              <a:buFont typeface="Arial" panose="020B0604020202020204" pitchFamily="34" charset="0"/>
+              <a:buNone/>
+              <a:defRPr lang="en-US" sz="2400" kern="1200" dirty="0">
+                <a:solidFill>
+                  <a:schemeClr val="tx1"/>
+                </a:solidFill>
+                <a:latin typeface="+mn-lt"/>
+                <a:ea typeface="+mn-ea"/>
+                <a:cs typeface="+mn-cs"/>
+              </a:defRPr>
+            </a:lvl1pPr>
+          </a:lstStyle>
+          <a:p>
+            <a:pPr lvl="0"/>
+            <a:r>
+              <a:rPr lang="en-US" dirty="0"/>
+              <a:t>Insert content here</a:t>
+            </a:r>
+          </a:p>
+        </p:txBody>
+      </p:sp>
+    </p:spTree>
+    <p:extLst>
+      <p:ext uri="{BB962C8B-B14F-4D97-AF65-F5344CB8AC3E}">
+        <p14:creationId xmlns:p14="http://schemas.microsoft.com/office/powerpoint/2010/main" val="3165285096"/>
+      </p:ext>
+    </p:extLst>
+  </p:cSld>
+  <p:clrMapOvr>
+    <a:masterClrMapping/>
+  </p:clrMapOvr>
+  <mc:AlternateContent xmlns:mc="http://schemas.openxmlformats.org/markup-compatibility/2006" xmlns:p14="http://schemas.microsoft.com/office/powerpoint/2010/main">
+    <mc:Choice Requires="p14">
+      <p:transition spd="med" p14:dur="700">
+        <p:fade/>
+      </p:transition>
+    </mc:Choice>
+    <mc:Fallback xmlns="">
+      <p:transition spd="med">
+        <p:fade/>
+      </p:transition>
+    </mc:Fallback>
+  </mc:AlternateContent>
+  <p:extLst>
+    <p:ext uri="{DCECCB84-F9BA-43D5-87BE-67443E8EF086}">
+      <p15:sldGuideLst xmlns:p15="http://schemas.microsoft.com/office/powerpoint/2012/main">
+        <p15:guide id="1" orient="horz" pos="3120">
+          <p15:clr>
+            <a:srgbClr val="FBAE40"/>
+          </p15:clr>
+        </p15:guide>
+        <p15:guide id="2" pos="3446">
+          <p15:clr>
+            <a:srgbClr val="5ACBF0"/>
+          </p15:clr>
+        </p15:guide>
+        <p15:guide id="3" orient="horz" pos="3240">
+          <p15:clr>
+            <a:srgbClr val="5ACBF0"/>
+          </p15:clr>
+        </p15:guide>
+        <p15:guide id="4" orient="horz" pos="3594">
+          <p15:clr>
+            <a:srgbClr val="5ACBF0"/>
+          </p15:clr>
+        </p15:guide>
+      </p15:sldGuideLst>
+    </p:ext>
+  </p:extLst>
 </p:sldLayout>
 </file>
 
@@ -5375,7 +5716,7 @@
           <a:p>
             <a:fld id="{612E597E-2F4F-2747-A9DF-6BACAD15E325}" type="datetimeFigureOut">
               <a:rPr lang="en-US" smtClean="0"/>
-              <a:t>4/14/2025</a:t>
+              <a:t>4/24/2025</a:t>
             </a:fld>
             <a:endParaRPr lang="en-US" dirty="0"/>
           </a:p>
@@ -5471,6 +5812,7 @@
     <p:sldLayoutId id="2147483674" r:id="rId1"/>
     <p:sldLayoutId id="2147483673" r:id="rId2"/>
     <p:sldLayoutId id="2147483675" r:id="rId3"/>
+    <p:sldLayoutId id="2147483676" r:id="rId4"/>
   </p:sldLayoutIdLst>
   <p:txStyles>
     <p:titleStyle>
@@ -5758,17 +6100,15 @@
 <file path=ppt/slides/slide1.xml><?xml version="1.0" encoding="utf-8"?>
 <p:sld xmlns:a="http://schemas.openxmlformats.org/drawingml/2006/main" xmlns:r="http://schemas.openxmlformats.org/officeDocument/2006/relationships" xmlns:p="http://schemas.openxmlformats.org/presentationml/2006/main">
   <p:cSld>
-    <p:bg>
-      <p:bgPr>
-        <a:solidFill>
-          <a:schemeClr val="bg1"/>
-        </a:solidFill>
-        <a:effectLst/>
-      </p:bgPr>
-    </p:bg>
     <p:spTree>
       <p:nvGrpSpPr>
-        <p:cNvPr id="1" name=""/>
+        <p:cNvPr id="1" name="">
+          <a:extLst>
+            <a:ext uri="{FF2B5EF4-FFF2-40B4-BE49-F238E27FC236}">
+              <a16:creationId xmlns:a16="http://schemas.microsoft.com/office/drawing/2014/main" id="{76CC0EE4-03E5-F2D5-0397-DC22B335B5D0}"/>
+            </a:ext>
+          </a:extLst>
+        </p:cNvPr>
         <p:cNvGrpSpPr/>
         <p:nvPr/>
       </p:nvGrpSpPr>
@@ -5782,140 +6122,111 @@
       </p:grpSpPr>
       <p:sp>
         <p:nvSpPr>
-          <p:cNvPr id="2" name="Title 1">
-            <a:extLst>
-              <a:ext uri="{FF2B5EF4-FFF2-40B4-BE49-F238E27FC236}">
-                <a16:creationId xmlns:a16="http://schemas.microsoft.com/office/drawing/2014/main" id="{00785EED-B8B5-4E09-A0EC-8BD2CF133BA6}"/>
-              </a:ext>
-            </a:extLst>
-          </p:cNvPr>
-          <p:cNvSpPr>
-            <a:spLocks noGrp="1"/>
-          </p:cNvSpPr>
-          <p:nvPr>
-            <p:ph type="title"/>
-          </p:nvPr>
-        </p:nvSpPr>
-        <p:spPr>
-          <a:xfrm>
-            <a:off x="0" y="337840"/>
-            <a:ext cx="6858000" cy="704591"/>
-          </a:xfrm>
-        </p:spPr>
-        <p:txBody>
-          <a:bodyPr>
-            <a:normAutofit/>
+          <p:cNvPr id="9" name="Freeform: Shape 8">
+            <a:extLst>
+              <a:ext uri="{FF2B5EF4-FFF2-40B4-BE49-F238E27FC236}">
+                <a16:creationId xmlns:a16="http://schemas.microsoft.com/office/drawing/2014/main" id="{59BF7D91-066F-15FB-9818-3FE1D250F675}"/>
+              </a:ext>
+            </a:extLst>
+          </p:cNvPr>
+          <p:cNvSpPr/>
+          <p:nvPr/>
+        </p:nvSpPr>
+        <p:spPr>
+          <a:xfrm rot="1731824">
+            <a:off x="-154570" y="1475886"/>
+            <a:ext cx="1299385" cy="3104350"/>
+          </a:xfrm>
+          <a:custGeom>
+            <a:avLst/>
+            <a:gdLst>
+              <a:gd name="connsiteX0" fmla="*/ 125903 w 1407667"/>
+              <a:gd name="connsiteY0" fmla="*/ 0 h 3363046"/>
+              <a:gd name="connsiteX1" fmla="*/ 1407667 w 1407667"/>
+              <a:gd name="connsiteY1" fmla="*/ 0 h 3363046"/>
+              <a:gd name="connsiteX2" fmla="*/ 1098595 w 1407667"/>
+              <a:gd name="connsiteY2" fmla="*/ 3363046 h 3363046"/>
+              <a:gd name="connsiteX3" fmla="*/ 0 w 1407667"/>
+              <a:gd name="connsiteY3" fmla="*/ 1369964 h 3363046"/>
+            </a:gdLst>
+            <a:ahLst/>
+            <a:cxnLst>
+              <a:cxn ang="0">
+                <a:pos x="connsiteX0" y="connsiteY0"/>
+              </a:cxn>
+              <a:cxn ang="0">
+                <a:pos x="connsiteX1" y="connsiteY1"/>
+              </a:cxn>
+              <a:cxn ang="0">
+                <a:pos x="connsiteX2" y="connsiteY2"/>
+              </a:cxn>
+              <a:cxn ang="0">
+                <a:pos x="connsiteX3" y="connsiteY3"/>
+              </a:cxn>
+            </a:cxnLst>
+            <a:rect l="l" t="t" r="r" b="b"/>
+            <a:pathLst>
+              <a:path w="1407667" h="3363046">
+                <a:moveTo>
+                  <a:pt x="125903" y="0"/>
+                </a:moveTo>
+                <a:lnTo>
+                  <a:pt x="1407667" y="0"/>
+                </a:lnTo>
+                <a:lnTo>
+                  <a:pt x="1098595" y="3363046"/>
+                </a:lnTo>
+                <a:lnTo>
+                  <a:pt x="0" y="1369964"/>
+                </a:lnTo>
+                <a:close/>
+              </a:path>
+            </a:pathLst>
+          </a:custGeom>
+          <a:solidFill>
+            <a:schemeClr val="bg1"/>
+          </a:solidFill>
+          <a:ln>
+            <a:solidFill>
+              <a:schemeClr val="bg2">
+                <a:lumMod val="25000"/>
+              </a:schemeClr>
+            </a:solidFill>
+          </a:ln>
+        </p:spPr>
+        <p:style>
+          <a:lnRef idx="2">
+            <a:schemeClr val="accent1">
+              <a:shade val="50000"/>
+            </a:schemeClr>
+          </a:lnRef>
+          <a:fillRef idx="1">
+            <a:schemeClr val="accent1"/>
+          </a:fillRef>
+          <a:effectRef idx="0">
+            <a:schemeClr val="accent1"/>
+          </a:effectRef>
+          <a:fontRef idx="minor">
+            <a:schemeClr val="lt1"/>
+          </a:fontRef>
+        </p:style>
+        <p:txBody>
+          <a:bodyPr wrap="square" rtlCol="0" anchor="ctr">
+            <a:noAutofit/>
           </a:bodyPr>
           <a:lstStyle/>
           <a:p>
             <a:pPr algn="ctr"/>
-            <a:r>
-              <a:rPr lang="en-US" sz="2000" b="1" i="0">
-                <a:solidFill>
-                  <a:srgbClr val="82B660"/>
-                </a:solidFill>
-                <a:effectLst/>
-                <a:latin typeface="Söhne"/>
-              </a:rPr>
-              <a:t>Project Proposal: AttendAI</a:t>
-            </a:r>
-            <a:br>
-              <a:rPr lang="en-US" sz="2000" b="1" i="0">
-                <a:solidFill>
-                  <a:srgbClr val="82B660"/>
-                </a:solidFill>
-                <a:effectLst/>
-                <a:latin typeface="Söhne"/>
-              </a:rPr>
-            </a:br>
-            <a:r>
-              <a:rPr lang="en-US" sz="2000" b="1" i="0">
-                <a:solidFill>
-                  <a:srgbClr val="82B660"/>
-                </a:solidFill>
-                <a:effectLst/>
-                <a:latin typeface="Söhne"/>
-              </a:rPr>
-              <a:t>(Smart Attendance Tracker using Classroom CCTV and AI)</a:t>
-            </a:r>
-          </a:p>
-        </p:txBody>
-      </p:sp>
-      <p:sp>
-        <p:nvSpPr>
-          <p:cNvPr id="27" name="TextBox 26">
-            <a:extLst>
-              <a:ext uri="{FF2B5EF4-FFF2-40B4-BE49-F238E27FC236}">
-                <a16:creationId xmlns:a16="http://schemas.microsoft.com/office/drawing/2014/main" id="{314E79CC-7769-D008-11F9-0BE205A9BD13}"/>
-              </a:ext>
-            </a:extLst>
-          </p:cNvPr>
-          <p:cNvSpPr txBox="1"/>
-          <p:nvPr/>
-        </p:nvSpPr>
-        <p:spPr>
-          <a:xfrm>
-            <a:off x="255334" y="1360078"/>
-            <a:ext cx="6369628" cy="1554272"/>
-          </a:xfrm>
-          <a:prstGeom prst="rect">
-            <a:avLst/>
-          </a:prstGeom>
-          <a:noFill/>
-        </p:spPr>
-        <p:txBody>
-          <a:bodyPr wrap="square">
-            <a:spAutoFit/>
-          </a:bodyPr>
-          <a:lstStyle/>
-          <a:p>
-            <a:pPr algn="l">
-              <a:spcAft>
-                <a:spcPts val="600"/>
-              </a:spcAft>
-            </a:pPr>
-            <a:r>
-              <a:rPr lang="en-US" sz="2000" b="1" i="0">
-                <a:solidFill>
-                  <a:schemeClr val="tx2">
-                    <a:lumMod val="60000"/>
-                    <a:lumOff val="40000"/>
-                  </a:schemeClr>
-                </a:solidFill>
-                <a:effectLst/>
-                <a:latin typeface="Söhne"/>
-              </a:rPr>
-              <a:t>Project Overview:</a:t>
-            </a:r>
-          </a:p>
-          <a:p>
-            <a:pPr algn="just"/>
-            <a:r>
-              <a:rPr lang="en-US" sz="1400" b="0" i="0">
-                <a:solidFill>
-                  <a:srgbClr val="374151"/>
-                </a:solidFill>
-                <a:effectLst/>
-                <a:latin typeface="Söhne"/>
-              </a:rPr>
-              <a:t>Traditional classroom attendance systems are manual, time-consuming, and prone to human error. This project proposes an AI-based attendance system that leverages existing CCTV cameras installed in classrooms to automatically detect and recognize students present in the class, and then mark their attendance according to the class routine. This ensures accuracy, saves time, and improves overall class monitoring.</a:t>
-            </a:r>
-            <a:endParaRPr lang="en-US" sz="1400" b="1" i="0">
-              <a:solidFill>
-                <a:srgbClr val="374151"/>
-              </a:solidFill>
-              <a:effectLst/>
-              <a:latin typeface="Söhne"/>
-            </a:endParaRPr>
+            <a:endParaRPr lang="en-US" sz="1662"/>
           </a:p>
         </p:txBody>
       </p:sp>
       <p:pic>
         <p:nvPicPr>
-          <p:cNvPr id="28" name="Picture 27">
-            <a:extLst>
-              <a:ext uri="{FF2B5EF4-FFF2-40B4-BE49-F238E27FC236}">
-                <a16:creationId xmlns:a16="http://schemas.microsoft.com/office/drawing/2014/main" id="{A0F74780-F507-1BBE-35A7-28C1E4869C1D}"/>
+          <p:cNvPr id="13" name="Picture 12">
+            <a:extLst>
+              <a:ext uri="{FF2B5EF4-FFF2-40B4-BE49-F238E27FC236}">
+                <a16:creationId xmlns:a16="http://schemas.microsoft.com/office/drawing/2014/main" id="{4FEA120E-0C69-401F-C542-74541CFBB579}"/>
               </a:ext>
             </a:extLst>
           </p:cNvPr>
@@ -5925,27 +6236,15 @@
           <p:nvPr/>
         </p:nvPicPr>
         <p:blipFill>
-          <a:blip r:embed="rId2">
-            <a:extLst>
-              <a:ext uri="{BEBA8EAE-BF5A-486C-A8C5-ECC9F3942E4B}">
-                <a14:imgProps xmlns:a14="http://schemas.microsoft.com/office/drawing/2010/main">
-                  <a14:imgLayer r:embed="rId3">
-                    <a14:imgEffect>
-                      <a14:artisticChalkSketch/>
-                    </a14:imgEffect>
-                  </a14:imgLayer>
-                </a14:imgProps>
-              </a:ext>
-            </a:extLst>
-          </a:blip>
+          <a:blip r:embed="rId3"/>
           <a:stretch>
             <a:fillRect/>
           </a:stretch>
         </p:blipFill>
         <p:spPr>
           <a:xfrm>
-            <a:off x="0" y="8196146"/>
-            <a:ext cx="6858000" cy="947854"/>
+            <a:off x="4569997" y="509590"/>
+            <a:ext cx="1933103" cy="1351200"/>
           </a:xfrm>
           <a:prstGeom prst="rect">
             <a:avLst/>
@@ -5954,20 +6253,22 @@
       </p:pic>
       <p:sp>
         <p:nvSpPr>
-          <p:cNvPr id="4" name="TextBox 3">
-            <a:extLst>
-              <a:ext uri="{FF2B5EF4-FFF2-40B4-BE49-F238E27FC236}">
-                <a16:creationId xmlns:a16="http://schemas.microsoft.com/office/drawing/2014/main" id="{51991352-E287-727B-C907-58BAEE842497}"/>
-              </a:ext>
-            </a:extLst>
-          </p:cNvPr>
-          <p:cNvSpPr txBox="1"/>
+          <p:cNvPr id="14" name="Title 1">
+            <a:extLst>
+              <a:ext uri="{FF2B5EF4-FFF2-40B4-BE49-F238E27FC236}">
+                <a16:creationId xmlns:a16="http://schemas.microsoft.com/office/drawing/2014/main" id="{47672BEB-3FC7-9560-CEDE-3BCC59E74131}"/>
+              </a:ext>
+            </a:extLst>
+          </p:cNvPr>
+          <p:cNvSpPr txBox="1">
+            <a:spLocks/>
+          </p:cNvSpPr>
           <p:nvPr/>
         </p:nvSpPr>
         <p:spPr>
           <a:xfrm>
-            <a:off x="244186" y="3101131"/>
-            <a:ext cx="6369628" cy="1338828"/>
+            <a:off x="1503017" y="2703457"/>
+            <a:ext cx="3851964" cy="1363707"/>
           </a:xfrm>
           <a:prstGeom prst="rect">
             <a:avLst/>
@@ -5975,62 +6276,53 @@
           <a:noFill/>
         </p:spPr>
         <p:txBody>
-          <a:bodyPr wrap="square">
+          <a:bodyPr vert="horz" wrap="square" lIns="0" tIns="0" rIns="0" bIns="0" rtlCol="0" anchor="b" anchorCtr="0">
             <a:spAutoFit/>
           </a:bodyPr>
-          <a:lstStyle/>
-          <a:p>
-            <a:pPr algn="l">
-              <a:spcAft>
-                <a:spcPts val="600"/>
-              </a:spcAft>
-            </a:pPr>
-            <a:r>
-              <a:rPr lang="en-US" sz="2000" b="1" i="0">
+          <a:lstStyle>
+            <a:lvl1pPr algn="ctr" defTabSz="1347253" rtl="0" eaLnBrk="1" latinLnBrk="0" hangingPunct="1">
+              <a:lnSpc>
+                <a:spcPct val="100000"/>
+              </a:lnSpc>
+              <a:spcBef>
+                <a:spcPct val="0"/>
+              </a:spcBef>
+              <a:buNone/>
+              <a:defRPr lang="en-US" sz="5778" b="1" i="0" kern="1200" cap="none" spc="-72" baseline="0" dirty="0">
+                <a:ln w="3175">
+                  <a:noFill/>
+                </a:ln>
                 <a:solidFill>
-                  <a:schemeClr val="tx2">
-                    <a:lumMod val="60000"/>
-                    <a:lumOff val="40000"/>
-                  </a:schemeClr>
+                  <a:schemeClr val="tx1"/>
                 </a:solidFill>
                 <a:effectLst/>
-                <a:latin typeface="Söhne"/>
-              </a:rPr>
-              <a:t>Problem Statement:</a:t>
-            </a:r>
-          </a:p>
-          <a:p>
-            <a:pPr algn="just">
-              <a:spcAft>
-                <a:spcPts val="1200"/>
-              </a:spcAft>
-            </a:pPr>
-            <a:r>
-              <a:rPr lang="en-US" sz="1400" b="0" i="0">
-                <a:solidFill>
-                  <a:srgbClr val="374151"/>
-                </a:solidFill>
-                <a:effectLst/>
-                <a:latin typeface="Söhne"/>
-              </a:rPr>
-              <a:t>Manually taking attendance in large classrooms is inefficient and distracts from valuable teaching time. Moreover, students may be marked present even if they are not physically present (proxy attendance). There is a lack of intelligent systems that can automate this process using existing infrastructure like CCTV.</a:t>
-            </a:r>
-            <a:endParaRPr lang="en-US" sz="1400" b="1" i="0">
-              <a:solidFill>
-                <a:srgbClr val="374151"/>
-              </a:solidFill>
-              <a:effectLst/>
-              <a:latin typeface="Söhne"/>
-            </a:endParaRPr>
-          </a:p>
-        </p:txBody>
-      </p:sp>
-      <p:sp>
-        <p:nvSpPr>
-          <p:cNvPr id="5" name="TextBox 4">
-            <a:extLst>
-              <a:ext uri="{FF2B5EF4-FFF2-40B4-BE49-F238E27FC236}">
-                <a16:creationId xmlns:a16="http://schemas.microsoft.com/office/drawing/2014/main" id="{0EC405A4-495E-65D8-8D1B-0F2E5C99C3E3}"/>
+                <a:latin typeface="+mj-lt"/>
+                <a:ea typeface="+mn-ea"/>
+                <a:cs typeface="Segoe UI" pitchFamily="34" charset="0"/>
+              </a:defRPr>
+            </a:lvl1pPr>
+          </a:lstStyle>
+          <a:p>
+            <a:r>
+              <a:rPr lang="en-US" sz="4431"/>
+              <a:t>“AI Project</a:t>
+            </a:r>
+            <a:br>
+              <a:rPr lang="en-US" sz="4431"/>
+            </a:br>
+            <a:r>
+              <a:rPr lang="en-US" sz="4431"/>
+              <a:t>Proposal”</a:t>
+            </a:r>
+          </a:p>
+        </p:txBody>
+      </p:sp>
+      <p:sp>
+        <p:nvSpPr>
+          <p:cNvPr id="17" name="TextBox 16">
+            <a:extLst>
+              <a:ext uri="{FF2B5EF4-FFF2-40B4-BE49-F238E27FC236}">
+                <a16:creationId xmlns:a16="http://schemas.microsoft.com/office/drawing/2014/main" id="{FF7CB847-6426-0F09-F153-8F618026B180}"/>
               </a:ext>
             </a:extLst>
           </p:cNvPr>
@@ -6039,8 +6331,8 @@
         </p:nvSpPr>
         <p:spPr>
           <a:xfrm>
-            <a:off x="255334" y="4704041"/>
-            <a:ext cx="6369628" cy="2939266"/>
+            <a:off x="959859" y="8090089"/>
+            <a:ext cx="4938281" cy="546945"/>
           </a:xfrm>
           <a:prstGeom prst="rect">
             <a:avLst/>
@@ -6048,194 +6340,723 @@
           <a:noFill/>
         </p:spPr>
         <p:txBody>
-          <a:bodyPr wrap="square">
+          <a:bodyPr wrap="square" rtlCol="0">
             <a:spAutoFit/>
           </a:bodyPr>
           <a:lstStyle/>
           <a:p>
-            <a:pPr algn="just">
-              <a:spcAft>
-                <a:spcPts val="600"/>
-              </a:spcAft>
-            </a:pPr>
-            <a:r>
-              <a:rPr lang="en-US" sz="2000" b="1" i="0">
+            <a:pPr algn="ctr"/>
+            <a:r>
+              <a:rPr lang="en-US" sz="1477" dirty="0">
                 <a:solidFill>
-                  <a:schemeClr val="tx2">
-                    <a:lumMod val="60000"/>
-                    <a:lumOff val="40000"/>
+                  <a:schemeClr val="tx1">
+                    <a:lumMod val="65000"/>
+                    <a:lumOff val="35000"/>
                   </a:schemeClr>
                 </a:solidFill>
-                <a:effectLst/>
-                <a:latin typeface="Söhne"/>
               </a:rPr>
-              <a:t>Key Features:</a:t>
-            </a:r>
-          </a:p>
-          <a:p>
-            <a:pPr marL="285750" indent="-285750" algn="just">
-              <a:spcAft>
-                <a:spcPts val="600"/>
-              </a:spcAft>
-              <a:buFont typeface="Arial" panose="020B0604020202020204" pitchFamily="34" charset="0"/>
-              <a:buChar char="•"/>
-            </a:pPr>
-            <a:r>
-              <a:rPr lang="en-US" sz="1400" b="1" i="0">
+              <a:t>Shanto Mariam University of Creative Technology</a:t>
+            </a:r>
+          </a:p>
+          <a:p>
+            <a:pPr algn="ctr"/>
+            <a:r>
+              <a:rPr lang="en-US" sz="1477">
                 <a:solidFill>
-                  <a:srgbClr val="374151"/>
+                  <a:schemeClr val="tx1">
+                    <a:lumMod val="65000"/>
+                    <a:lumOff val="35000"/>
+                  </a:schemeClr>
                 </a:solidFill>
-                <a:effectLst/>
-                <a:latin typeface="Söhne"/>
               </a:rPr>
-              <a:t>Face Detection &amp; Recognition</a:t>
-            </a:r>
-            <a:r>
-              <a:rPr lang="en-US" sz="1400" b="0" i="0">
+              <a:t>CSE-3311: Artificial Intelligence</a:t>
+            </a:r>
+            <a:endParaRPr lang="en-US" sz="1477" dirty="0">
+              <a:solidFill>
+                <a:schemeClr val="tx1">
+                  <a:lumMod val="65000"/>
+                  <a:lumOff val="35000"/>
+                </a:schemeClr>
+              </a:solidFill>
+            </a:endParaRPr>
+          </a:p>
+        </p:txBody>
+      </p:sp>
+      <p:sp>
+        <p:nvSpPr>
+          <p:cNvPr id="2" name="Rectangle 1">
+            <a:extLst>
+              <a:ext uri="{FF2B5EF4-FFF2-40B4-BE49-F238E27FC236}">
+                <a16:creationId xmlns:a16="http://schemas.microsoft.com/office/drawing/2014/main" id="{7FD15B84-14FD-AF1E-1D3A-D0DABFE38019}"/>
+              </a:ext>
+            </a:extLst>
+          </p:cNvPr>
+          <p:cNvSpPr/>
+          <p:nvPr/>
+        </p:nvSpPr>
+        <p:spPr>
+          <a:xfrm>
+            <a:off x="263770" y="8971169"/>
+            <a:ext cx="6330462" cy="172832"/>
+          </a:xfrm>
+          <a:prstGeom prst="rect">
+            <a:avLst/>
+          </a:prstGeom>
+          <a:solidFill>
+            <a:schemeClr val="bg1"/>
+          </a:solidFill>
+          <a:ln>
+            <a:solidFill>
+              <a:schemeClr val="bg2">
+                <a:lumMod val="75000"/>
+              </a:schemeClr>
+            </a:solidFill>
+          </a:ln>
+        </p:spPr>
+        <p:style>
+          <a:lnRef idx="2">
+            <a:schemeClr val="accent1">
+              <a:shade val="50000"/>
+            </a:schemeClr>
+          </a:lnRef>
+          <a:fillRef idx="1">
+            <a:schemeClr val="accent1"/>
+          </a:fillRef>
+          <a:effectRef idx="0">
+            <a:schemeClr val="accent1"/>
+          </a:effectRef>
+          <a:fontRef idx="minor">
+            <a:schemeClr val="lt1"/>
+          </a:fontRef>
+        </p:style>
+        <p:txBody>
+          <a:bodyPr rtlCol="0" anchor="ctr"/>
+          <a:lstStyle/>
+          <a:p>
+            <a:pPr algn="ctr"/>
+            <a:endParaRPr lang="en-US" sz="1662"/>
+          </a:p>
+        </p:txBody>
+      </p:sp>
+      <p:sp>
+        <p:nvSpPr>
+          <p:cNvPr id="18" name="Freeform: Shape 17">
+            <a:extLst>
+              <a:ext uri="{FF2B5EF4-FFF2-40B4-BE49-F238E27FC236}">
+                <a16:creationId xmlns:a16="http://schemas.microsoft.com/office/drawing/2014/main" id="{FF856DC2-65F3-8D7A-C39B-CF2C48E63E1E}"/>
+              </a:ext>
+            </a:extLst>
+          </p:cNvPr>
+          <p:cNvSpPr/>
+          <p:nvPr/>
+        </p:nvSpPr>
+        <p:spPr>
+          <a:xfrm>
+            <a:off x="58265" y="29270"/>
+            <a:ext cx="1743059" cy="2542303"/>
+          </a:xfrm>
+          <a:custGeom>
+            <a:avLst/>
+            <a:gdLst>
+              <a:gd name="connsiteX0" fmla="*/ 0 w 1888314"/>
+              <a:gd name="connsiteY0" fmla="*/ 0 h 2754162"/>
+              <a:gd name="connsiteX1" fmla="*/ 1147140 w 1888314"/>
+              <a:gd name="connsiteY1" fmla="*/ 0 h 2754162"/>
+              <a:gd name="connsiteX2" fmla="*/ 1888314 w 1888314"/>
+              <a:gd name="connsiteY2" fmla="*/ 2176667 h 2754162"/>
+              <a:gd name="connsiteX3" fmla="*/ 659894 w 1888314"/>
+              <a:gd name="connsiteY3" fmla="*/ 2754162 h 2754162"/>
+              <a:gd name="connsiteX4" fmla="*/ 0 w 1888314"/>
+              <a:gd name="connsiteY4" fmla="*/ 816199 h 2754162"/>
+            </a:gdLst>
+            <a:ahLst/>
+            <a:cxnLst>
+              <a:cxn ang="0">
+                <a:pos x="connsiteX0" y="connsiteY0"/>
+              </a:cxn>
+              <a:cxn ang="0">
+                <a:pos x="connsiteX1" y="connsiteY1"/>
+              </a:cxn>
+              <a:cxn ang="0">
+                <a:pos x="connsiteX2" y="connsiteY2"/>
+              </a:cxn>
+              <a:cxn ang="0">
+                <a:pos x="connsiteX3" y="connsiteY3"/>
+              </a:cxn>
+              <a:cxn ang="0">
+                <a:pos x="connsiteX4" y="connsiteY4"/>
+              </a:cxn>
+            </a:cxnLst>
+            <a:rect l="l" t="t" r="r" b="b"/>
+            <a:pathLst>
+              <a:path w="1888314" h="2754162">
+                <a:moveTo>
+                  <a:pt x="0" y="0"/>
+                </a:moveTo>
+                <a:lnTo>
+                  <a:pt x="1147140" y="0"/>
+                </a:lnTo>
+                <a:lnTo>
+                  <a:pt x="1888314" y="2176667"/>
+                </a:lnTo>
+                <a:lnTo>
+                  <a:pt x="659894" y="2754162"/>
+                </a:lnTo>
+                <a:lnTo>
+                  <a:pt x="0" y="816199"/>
+                </a:lnTo>
+                <a:close/>
+              </a:path>
+            </a:pathLst>
+          </a:custGeom>
+          <a:solidFill>
+            <a:schemeClr val="bg1"/>
+          </a:solidFill>
+          <a:ln>
+            <a:solidFill>
+              <a:schemeClr val="bg2">
+                <a:lumMod val="25000"/>
+              </a:schemeClr>
+            </a:solidFill>
+          </a:ln>
+        </p:spPr>
+        <p:style>
+          <a:lnRef idx="2">
+            <a:schemeClr val="accent1">
+              <a:shade val="50000"/>
+            </a:schemeClr>
+          </a:lnRef>
+          <a:fillRef idx="1">
+            <a:schemeClr val="accent1"/>
+          </a:fillRef>
+          <a:effectRef idx="0">
+            <a:schemeClr val="accent1"/>
+          </a:effectRef>
+          <a:fontRef idx="minor">
+            <a:schemeClr val="lt1"/>
+          </a:fontRef>
+        </p:style>
+        <p:txBody>
+          <a:bodyPr wrap="square" rtlCol="0" anchor="ctr">
+            <a:noAutofit/>
+          </a:bodyPr>
+          <a:lstStyle/>
+          <a:p>
+            <a:pPr algn="ctr"/>
+            <a:endParaRPr lang="en-US" sz="1662"/>
+          </a:p>
+        </p:txBody>
+      </p:sp>
+      <p:sp>
+        <p:nvSpPr>
+          <p:cNvPr id="20" name="Freeform: Shape 19">
+            <a:extLst>
+              <a:ext uri="{FF2B5EF4-FFF2-40B4-BE49-F238E27FC236}">
+                <a16:creationId xmlns:a16="http://schemas.microsoft.com/office/drawing/2014/main" id="{C020CA46-EC33-D84A-67CC-229F973ED466}"/>
+              </a:ext>
+            </a:extLst>
+          </p:cNvPr>
+          <p:cNvSpPr/>
+          <p:nvPr/>
+        </p:nvSpPr>
+        <p:spPr>
+          <a:xfrm>
+            <a:off x="998669" y="32019"/>
+            <a:ext cx="3571328" cy="2012348"/>
+          </a:xfrm>
+          <a:custGeom>
+            <a:avLst/>
+            <a:gdLst>
+              <a:gd name="connsiteX0" fmla="*/ 1666715 w 3868939"/>
+              <a:gd name="connsiteY0" fmla="*/ 0 h 2180044"/>
+              <a:gd name="connsiteX1" fmla="*/ 3868939 w 3868939"/>
+              <a:gd name="connsiteY1" fmla="*/ 0 h 2180044"/>
+              <a:gd name="connsiteX2" fmla="*/ 859250 w 3868939"/>
+              <a:gd name="connsiteY2" fmla="*/ 2180044 h 2180044"/>
+              <a:gd name="connsiteX3" fmla="*/ 0 w 3868939"/>
+              <a:gd name="connsiteY3" fmla="*/ 1207272 h 2180044"/>
+            </a:gdLst>
+            <a:ahLst/>
+            <a:cxnLst>
+              <a:cxn ang="0">
+                <a:pos x="connsiteX0" y="connsiteY0"/>
+              </a:cxn>
+              <a:cxn ang="0">
+                <a:pos x="connsiteX1" y="connsiteY1"/>
+              </a:cxn>
+              <a:cxn ang="0">
+                <a:pos x="connsiteX2" y="connsiteY2"/>
+              </a:cxn>
+              <a:cxn ang="0">
+                <a:pos x="connsiteX3" y="connsiteY3"/>
+              </a:cxn>
+            </a:cxnLst>
+            <a:rect l="l" t="t" r="r" b="b"/>
+            <a:pathLst>
+              <a:path w="3868939" h="2180044">
+                <a:moveTo>
+                  <a:pt x="1666715" y="0"/>
+                </a:moveTo>
+                <a:lnTo>
+                  <a:pt x="3868939" y="0"/>
+                </a:lnTo>
+                <a:lnTo>
+                  <a:pt x="859250" y="2180044"/>
+                </a:lnTo>
+                <a:lnTo>
+                  <a:pt x="0" y="1207272"/>
+                </a:lnTo>
+                <a:close/>
+              </a:path>
+            </a:pathLst>
+          </a:custGeom>
+          <a:solidFill>
+            <a:schemeClr val="bg1"/>
+          </a:solidFill>
+          <a:ln>
+            <a:solidFill>
+              <a:schemeClr val="bg2">
+                <a:lumMod val="25000"/>
+              </a:schemeClr>
+            </a:solidFill>
+          </a:ln>
+        </p:spPr>
+        <p:style>
+          <a:lnRef idx="2">
+            <a:schemeClr val="accent1">
+              <a:shade val="50000"/>
+            </a:schemeClr>
+          </a:lnRef>
+          <a:fillRef idx="1">
+            <a:schemeClr val="accent1"/>
+          </a:fillRef>
+          <a:effectRef idx="0">
+            <a:schemeClr val="accent1"/>
+          </a:effectRef>
+          <a:fontRef idx="minor">
+            <a:schemeClr val="lt1"/>
+          </a:fontRef>
+        </p:style>
+        <p:txBody>
+          <a:bodyPr wrap="square" rtlCol="0" anchor="ctr">
+            <a:noAutofit/>
+          </a:bodyPr>
+          <a:lstStyle/>
+          <a:p>
+            <a:pPr algn="ctr"/>
+            <a:endParaRPr lang="en-US" sz="1662"/>
+          </a:p>
+        </p:txBody>
+      </p:sp>
+      <p:sp>
+        <p:nvSpPr>
+          <p:cNvPr id="26" name="Rectangle: Rounded Corners 25">
+            <a:extLst>
+              <a:ext uri="{FF2B5EF4-FFF2-40B4-BE49-F238E27FC236}">
+                <a16:creationId xmlns:a16="http://schemas.microsoft.com/office/drawing/2014/main" id="{4C4C59C4-44E6-7DE6-C7AB-526545D12D69}"/>
+              </a:ext>
+            </a:extLst>
+          </p:cNvPr>
+          <p:cNvSpPr/>
+          <p:nvPr/>
+        </p:nvSpPr>
+        <p:spPr>
+          <a:xfrm>
+            <a:off x="495121" y="4937139"/>
+            <a:ext cx="2778015" cy="2818815"/>
+          </a:xfrm>
+          <a:prstGeom prst="roundRect">
+            <a:avLst/>
+          </a:prstGeom>
+          <a:noFill/>
+          <a:ln>
+            <a:solidFill>
+              <a:schemeClr val="bg2">
+                <a:lumMod val="75000"/>
+              </a:schemeClr>
+            </a:solidFill>
+          </a:ln>
+        </p:spPr>
+        <p:style>
+          <a:lnRef idx="2">
+            <a:schemeClr val="accent1">
+              <a:shade val="50000"/>
+            </a:schemeClr>
+          </a:lnRef>
+          <a:fillRef idx="1">
+            <a:schemeClr val="accent1"/>
+          </a:fillRef>
+          <a:effectRef idx="0">
+            <a:schemeClr val="accent1"/>
+          </a:effectRef>
+          <a:fontRef idx="minor">
+            <a:schemeClr val="lt1"/>
+          </a:fontRef>
+        </p:style>
+        <p:txBody>
+          <a:bodyPr rtlCol="0" anchor="ctr"/>
+          <a:lstStyle/>
+          <a:p>
+            <a:pPr algn="just"/>
+            <a:r>
+              <a:rPr lang="en-US" sz="1939" dirty="0">
                 <a:solidFill>
-                  <a:srgbClr val="374151"/>
+                  <a:schemeClr val="bg2">
+                    <a:lumMod val="25000"/>
+                  </a:schemeClr>
                 </a:solidFill>
-                <a:effectLst/>
-                <a:latin typeface="Söhne"/>
               </a:rPr>
-              <a:t>: Using computer vision to identify individual students from CCTV footage.</a:t>
-            </a:r>
-          </a:p>
-          <a:p>
-            <a:pPr marL="285750" indent="-285750" algn="just">
-              <a:spcAft>
-                <a:spcPts val="600"/>
-              </a:spcAft>
-              <a:buFont typeface="Arial" panose="020B0604020202020204" pitchFamily="34" charset="0"/>
-              <a:buChar char="•"/>
-            </a:pPr>
-            <a:r>
-              <a:rPr lang="en-US" sz="1400" b="1" i="0">
+              <a:t>Prepared by:</a:t>
+            </a:r>
+          </a:p>
+          <a:p>
+            <a:pPr algn="just"/>
+            <a:r>
+              <a:rPr lang="en-US" sz="1939">
                 <a:solidFill>
-                  <a:srgbClr val="374151"/>
+                  <a:schemeClr val="bg2">
+                    <a:lumMod val="25000"/>
+                  </a:schemeClr>
                 </a:solidFill>
-                <a:effectLst/>
-                <a:latin typeface="Söhne"/>
               </a:rPr>
-              <a:t>Time &amp; Duration Analysis</a:t>
-            </a:r>
-            <a:r>
-              <a:rPr lang="en-US" sz="1400" b="0" i="0">
+              <a:t>Antor Hawlader</a:t>
+            </a:r>
+          </a:p>
+          <a:p>
+            <a:pPr algn="just"/>
+            <a:r>
+              <a:rPr lang="en-US" sz="1939">
                 <a:solidFill>
-                  <a:srgbClr val="374151"/>
+                  <a:schemeClr val="bg2">
+                    <a:lumMod val="25000"/>
+                  </a:schemeClr>
                 </a:solidFill>
-                <a:effectLst/>
-                <a:latin typeface="Söhne"/>
               </a:rPr>
-              <a:t>: Track how long each student was present during the class.</a:t>
-            </a:r>
-          </a:p>
-          <a:p>
-            <a:pPr marL="285750" indent="-285750" algn="just">
-              <a:spcAft>
-                <a:spcPts val="600"/>
-              </a:spcAft>
-              <a:buFont typeface="Arial" panose="020B0604020202020204" pitchFamily="34" charset="0"/>
-              <a:buChar char="•"/>
-            </a:pPr>
-            <a:r>
-              <a:rPr lang="en-US" sz="1400" b="1" i="0">
+              <a:t>ID: 2220710</a:t>
+            </a:r>
+            <a:r>
+              <a:rPr lang="en-US" sz="1939" b="1">
                 <a:solidFill>
-                  <a:srgbClr val="374151"/>
+                  <a:schemeClr val="bg2">
+                    <a:lumMod val="25000"/>
+                  </a:schemeClr>
                 </a:solidFill>
-                <a:effectLst/>
-                <a:latin typeface="Söhne"/>
               </a:rPr>
-              <a:t>Routine Mapping</a:t>
-            </a:r>
-            <a:r>
-              <a:rPr lang="en-US" sz="1400" b="0" i="0">
+              <a:t>24</a:t>
+            </a:r>
+          </a:p>
+          <a:p>
+            <a:pPr algn="just"/>
+            <a:r>
+              <a:rPr lang="en-US" sz="1939">
                 <a:solidFill>
-                  <a:srgbClr val="374151"/>
+                  <a:schemeClr val="bg2">
+                    <a:lumMod val="25000"/>
+                  </a:schemeClr>
                 </a:solidFill>
-                <a:effectLst/>
-                <a:latin typeface="Söhne"/>
               </a:rPr>
-              <a:t>: Link with academic routine to determine which student was supposed to attend the class.</a:t>
-            </a:r>
-          </a:p>
-          <a:p>
-            <a:pPr marL="285750" indent="-285750" algn="just">
-              <a:spcAft>
-                <a:spcPts val="600"/>
-              </a:spcAft>
-              <a:buFont typeface="Arial" panose="020B0604020202020204" pitchFamily="34" charset="0"/>
-              <a:buChar char="•"/>
-            </a:pPr>
-            <a:r>
-              <a:rPr lang="en-US" sz="1400" b="1" i="0">
+              <a:t>Tamim Chad Likhon </a:t>
+            </a:r>
+          </a:p>
+          <a:p>
+            <a:pPr algn="just"/>
+            <a:r>
+              <a:rPr lang="en-US" sz="1939">
                 <a:solidFill>
-                  <a:srgbClr val="374151"/>
+                  <a:schemeClr val="bg2">
+                    <a:lumMod val="25000"/>
+                  </a:schemeClr>
                 </a:solidFill>
-                <a:effectLst/>
-                <a:latin typeface="Söhne"/>
               </a:rPr>
-              <a:t>Automated Attendance Marking</a:t>
-            </a:r>
-            <a:r>
-              <a:rPr lang="en-US" sz="1400" b="0" i="0">
+              <a:t>ID: 2220710</a:t>
+            </a:r>
+            <a:r>
+              <a:rPr lang="en-US" sz="1939" b="1">
                 <a:solidFill>
-                  <a:srgbClr val="374151"/>
+                  <a:schemeClr val="bg2">
+                    <a:lumMod val="25000"/>
+                  </a:schemeClr>
                 </a:solidFill>
-                <a:effectLst/>
-                <a:latin typeface="Söhne"/>
               </a:rPr>
-              <a:t>: Auto-update the attendance system without teacher intervention.</a:t>
-            </a:r>
-          </a:p>
-          <a:p>
-            <a:pPr marL="285750" indent="-285750" algn="just">
-              <a:spcAft>
-                <a:spcPts val="600"/>
-              </a:spcAft>
-              <a:buFont typeface="Arial" panose="020B0604020202020204" pitchFamily="34" charset="0"/>
-              <a:buChar char="•"/>
-            </a:pPr>
-            <a:r>
-              <a:rPr lang="en-US" sz="1400" b="1" i="0">
+              <a:t>45</a:t>
+            </a:r>
+            <a:endParaRPr lang="en-US" sz="1939" b="1" dirty="0">
+              <a:solidFill>
+                <a:schemeClr val="bg2">
+                  <a:lumMod val="25000"/>
+                </a:schemeClr>
+              </a:solidFill>
+            </a:endParaRPr>
+          </a:p>
+          <a:p>
+            <a:pPr algn="just"/>
+            <a:r>
+              <a:rPr lang="en-US" sz="1939" dirty="0">
                 <a:solidFill>
-                  <a:srgbClr val="374151"/>
+                  <a:schemeClr val="bg2">
+                    <a:lumMod val="25000"/>
+                  </a:schemeClr>
                 </a:solidFill>
-                <a:effectLst/>
-                <a:latin typeface="Söhne"/>
               </a:rPr>
-              <a:t>Privacy &amp; Security</a:t>
-            </a:r>
-            <a:r>
-              <a:rPr lang="en-US" sz="1400" b="0" i="0">
+              <a:t>Dept</a:t>
+            </a:r>
+            <a:r>
+              <a:rPr lang="en-US" sz="1939">
                 <a:solidFill>
-                  <a:srgbClr val="374151"/>
+                  <a:schemeClr val="bg2">
+                    <a:lumMod val="25000"/>
+                  </a:schemeClr>
                 </a:solidFill>
-                <a:effectLst/>
-                <a:latin typeface="Söhne"/>
               </a:rPr>
-              <a:t>: Data will be securely stored and only accessible by authorized users.</a:t>
-            </a:r>
-            <a:endParaRPr lang="en-US" sz="1400" b="1" i="0">
+              <a:t>: CSE</a:t>
+            </a:r>
+          </a:p>
+          <a:p>
+            <a:pPr algn="just"/>
+            <a:r>
+              <a:rPr lang="en-US" sz="1939">
+                <a:solidFill>
+                  <a:schemeClr val="bg2">
+                    <a:lumMod val="25000"/>
+                  </a:schemeClr>
+                </a:solidFill>
+              </a:rPr>
+              <a:t>8</a:t>
+            </a:r>
+            <a:r>
+              <a:rPr lang="en-US" sz="1939" baseline="30000">
+                <a:solidFill>
+                  <a:schemeClr val="bg2">
+                    <a:lumMod val="25000"/>
+                  </a:schemeClr>
+                </a:solidFill>
+              </a:rPr>
+              <a:t>th</a:t>
+            </a:r>
+            <a:r>
+              <a:rPr lang="en-US" sz="1939">
+                <a:solidFill>
+                  <a:schemeClr val="bg2">
+                    <a:lumMod val="25000"/>
+                  </a:schemeClr>
+                </a:solidFill>
+              </a:rPr>
+              <a:t>  Semester</a:t>
+            </a:r>
+          </a:p>
+          <a:p>
+            <a:pPr algn="just"/>
+            <a:r>
+              <a:rPr lang="en-US" sz="1939">
+                <a:solidFill>
+                  <a:schemeClr val="bg2">
+                    <a:lumMod val="25000"/>
+                  </a:schemeClr>
+                </a:solidFill>
+              </a:rPr>
+              <a:t>Date</a:t>
+            </a:r>
+            <a:r>
+              <a:rPr lang="en-US" sz="1477">
+                <a:solidFill>
+                  <a:schemeClr val="bg2">
+                    <a:lumMod val="25000"/>
+                  </a:schemeClr>
+                </a:solidFill>
+              </a:rPr>
+              <a:t>: </a:t>
+            </a:r>
+            <a:r>
+              <a:rPr lang="en-US" sz="1939">
+                <a:solidFill>
+                  <a:schemeClr val="bg2">
+                    <a:lumMod val="25000"/>
+                  </a:schemeClr>
+                </a:solidFill>
+              </a:rPr>
+              <a:t>24-04-2026</a:t>
+            </a:r>
+            <a:endParaRPr lang="en-US" sz="1939" dirty="0">
               <a:solidFill>
-                <a:srgbClr val="374151"/>
+                <a:schemeClr val="bg2">
+                  <a:lumMod val="25000"/>
+                </a:schemeClr>
               </a:solidFill>
-              <a:effectLst/>
-              <a:latin typeface="Söhne"/>
             </a:endParaRPr>
+          </a:p>
+        </p:txBody>
+      </p:sp>
+      <p:sp>
+        <p:nvSpPr>
+          <p:cNvPr id="27" name="Rectangle: Rounded Corners 26">
+            <a:extLst>
+              <a:ext uri="{FF2B5EF4-FFF2-40B4-BE49-F238E27FC236}">
+                <a16:creationId xmlns:a16="http://schemas.microsoft.com/office/drawing/2014/main" id="{BABA91B2-24CA-7F0C-4AE3-971DB058D04A}"/>
+              </a:ext>
+            </a:extLst>
+          </p:cNvPr>
+          <p:cNvSpPr/>
+          <p:nvPr/>
+        </p:nvSpPr>
+        <p:spPr>
+          <a:xfrm>
+            <a:off x="3584865" y="4937138"/>
+            <a:ext cx="2778015" cy="2818816"/>
+          </a:xfrm>
+          <a:prstGeom prst="roundRect">
+            <a:avLst/>
+          </a:prstGeom>
+          <a:noFill/>
+          <a:ln>
+            <a:solidFill>
+              <a:schemeClr val="bg2">
+                <a:lumMod val="75000"/>
+              </a:schemeClr>
+            </a:solidFill>
+          </a:ln>
+        </p:spPr>
+        <p:style>
+          <a:lnRef idx="2">
+            <a:schemeClr val="accent1">
+              <a:shade val="50000"/>
+            </a:schemeClr>
+          </a:lnRef>
+          <a:fillRef idx="1">
+            <a:schemeClr val="accent1"/>
+          </a:fillRef>
+          <a:effectRef idx="0">
+            <a:schemeClr val="accent1"/>
+          </a:effectRef>
+          <a:fontRef idx="minor">
+            <a:schemeClr val="lt1"/>
+          </a:fontRef>
+        </p:style>
+        <p:txBody>
+          <a:bodyPr rtlCol="0" anchor="ctr"/>
+          <a:lstStyle/>
+          <a:p>
+            <a:pPr algn="r"/>
+            <a:endParaRPr lang="en-US" sz="1939" dirty="0">
+              <a:solidFill>
+                <a:schemeClr val="tx1">
+                  <a:lumMod val="85000"/>
+                  <a:lumOff val="15000"/>
+                </a:schemeClr>
+              </a:solidFill>
+            </a:endParaRPr>
+          </a:p>
+          <a:p>
+            <a:pPr algn="r"/>
+            <a:r>
+              <a:rPr lang="en-US" sz="1939">
+                <a:solidFill>
+                  <a:schemeClr val="tx1">
+                    <a:lumMod val="85000"/>
+                    <a:lumOff val="15000"/>
+                  </a:schemeClr>
+                </a:solidFill>
+              </a:rPr>
+              <a:t>Submitted to:</a:t>
+            </a:r>
+          </a:p>
+          <a:p>
+            <a:pPr algn="r"/>
+            <a:r>
+              <a:rPr lang="en-US" sz="1939">
+                <a:solidFill>
+                  <a:schemeClr val="tx1">
+                    <a:lumMod val="85000"/>
+                    <a:lumOff val="15000"/>
+                  </a:schemeClr>
+                </a:solidFill>
+              </a:rPr>
+              <a:t>Md Ariful Islam,</a:t>
+            </a:r>
+            <a:br>
+              <a:rPr lang="en-US" sz="1939">
+                <a:solidFill>
+                  <a:schemeClr val="tx1">
+                    <a:lumMod val="85000"/>
+                    <a:lumOff val="15000"/>
+                  </a:schemeClr>
+                </a:solidFill>
+              </a:rPr>
+            </a:br>
+            <a:r>
+              <a:rPr lang="en-US" sz="1939">
+                <a:solidFill>
+                  <a:schemeClr val="tx1">
+                    <a:lumMod val="85000"/>
+                    <a:lumOff val="15000"/>
+                  </a:schemeClr>
+                </a:solidFill>
+              </a:rPr>
+              <a:t>Lecturer,</a:t>
+            </a:r>
+          </a:p>
+          <a:p>
+            <a:pPr algn="r"/>
+            <a:r>
+              <a:rPr lang="en-US" sz="1939">
+                <a:solidFill>
+                  <a:schemeClr val="tx1">
+                    <a:lumMod val="85000"/>
+                    <a:lumOff val="15000"/>
+                  </a:schemeClr>
+                </a:solidFill>
+              </a:rPr>
+              <a:t>Department of CSE &amp; CSIT </a:t>
+            </a:r>
+            <a:br>
+              <a:rPr lang="en-US" sz="1939">
+                <a:solidFill>
+                  <a:schemeClr val="tx1">
+                    <a:lumMod val="85000"/>
+                    <a:lumOff val="15000"/>
+                  </a:schemeClr>
+                </a:solidFill>
+              </a:rPr>
+            </a:br>
+            <a:r>
+              <a:rPr lang="en-US" sz="1939">
+                <a:solidFill>
+                  <a:schemeClr val="tx1">
+                    <a:lumMod val="85000"/>
+                    <a:lumOff val="15000"/>
+                  </a:schemeClr>
+                </a:solidFill>
+              </a:rPr>
+              <a:t>SMUCT</a:t>
+            </a:r>
+          </a:p>
+          <a:p>
+            <a:pPr algn="ctr"/>
+            <a:endParaRPr lang="en-US" sz="1939" dirty="0"/>
           </a:p>
         </p:txBody>
       </p:sp>
     </p:spTree>
     <p:extLst>
       <p:ext uri="{BB962C8B-B14F-4D97-AF65-F5344CB8AC3E}">
-        <p14:creationId xmlns:p14="http://schemas.microsoft.com/office/powerpoint/2010/main" val="715057958"/>
+        <p14:creationId xmlns:p14="http://schemas.microsoft.com/office/powerpoint/2010/main" val="395833971"/>
       </p:ext>
     </p:extLst>
   </p:cSld>
   <p:clrMapOvr>
     <a:masterClrMapping/>
   </p:clrMapOvr>
+  <mc:AlternateContent xmlns:mc="http://schemas.openxmlformats.org/markup-compatibility/2006" xmlns:p14="http://schemas.microsoft.com/office/powerpoint/2010/main">
+    <mc:Choice Requires="p14">
+      <p:transition spd="med" p14:dur="700">
+        <p:fade/>
+      </p:transition>
+    </mc:Choice>
+    <mc:Fallback xmlns="">
+      <p:transition spd="med">
+        <p:fade/>
+      </p:transition>
+    </mc:Fallback>
+  </mc:AlternateContent>
 </p:sld>
 </file>
 
@@ -6266,6 +7087,490 @@
       </p:grpSpPr>
       <p:sp>
         <p:nvSpPr>
+          <p:cNvPr id="2" name="Title 1">
+            <a:extLst>
+              <a:ext uri="{FF2B5EF4-FFF2-40B4-BE49-F238E27FC236}">
+                <a16:creationId xmlns:a16="http://schemas.microsoft.com/office/drawing/2014/main" id="{00785EED-B8B5-4E09-A0EC-8BD2CF133BA6}"/>
+              </a:ext>
+            </a:extLst>
+          </p:cNvPr>
+          <p:cNvSpPr>
+            <a:spLocks noGrp="1"/>
+          </p:cNvSpPr>
+          <p:nvPr>
+            <p:ph type="title"/>
+          </p:nvPr>
+        </p:nvSpPr>
+        <p:spPr>
+          <a:xfrm>
+            <a:off x="0" y="337840"/>
+            <a:ext cx="6858000" cy="704591"/>
+          </a:xfrm>
+        </p:spPr>
+        <p:txBody>
+          <a:bodyPr>
+            <a:normAutofit/>
+          </a:bodyPr>
+          <a:lstStyle/>
+          <a:p>
+            <a:pPr algn="ctr"/>
+            <a:r>
+              <a:rPr lang="en-US" sz="2000" b="1" i="0">
+                <a:solidFill>
+                  <a:srgbClr val="82B660"/>
+                </a:solidFill>
+                <a:effectLst/>
+                <a:latin typeface="Söhne"/>
+              </a:rPr>
+              <a:t>Project Proposal: AttendAI</a:t>
+            </a:r>
+            <a:br>
+              <a:rPr lang="en-US" sz="2000" b="1" i="0">
+                <a:solidFill>
+                  <a:srgbClr val="82B660"/>
+                </a:solidFill>
+                <a:effectLst/>
+                <a:latin typeface="Söhne"/>
+              </a:rPr>
+            </a:br>
+            <a:r>
+              <a:rPr lang="en-US" sz="2000" b="1" i="0">
+                <a:solidFill>
+                  <a:srgbClr val="82B660"/>
+                </a:solidFill>
+                <a:effectLst/>
+                <a:latin typeface="Söhne"/>
+              </a:rPr>
+              <a:t>(Smart Attendance Tracker using Classroom CCTV and AI)</a:t>
+            </a:r>
+          </a:p>
+        </p:txBody>
+      </p:sp>
+      <p:sp>
+        <p:nvSpPr>
+          <p:cNvPr id="27" name="TextBox 26">
+            <a:extLst>
+              <a:ext uri="{FF2B5EF4-FFF2-40B4-BE49-F238E27FC236}">
+                <a16:creationId xmlns:a16="http://schemas.microsoft.com/office/drawing/2014/main" id="{314E79CC-7769-D008-11F9-0BE205A9BD13}"/>
+              </a:ext>
+            </a:extLst>
+          </p:cNvPr>
+          <p:cNvSpPr txBox="1"/>
+          <p:nvPr/>
+        </p:nvSpPr>
+        <p:spPr>
+          <a:xfrm>
+            <a:off x="255334" y="1360078"/>
+            <a:ext cx="6369628" cy="1554272"/>
+          </a:xfrm>
+          <a:prstGeom prst="rect">
+            <a:avLst/>
+          </a:prstGeom>
+          <a:noFill/>
+        </p:spPr>
+        <p:txBody>
+          <a:bodyPr wrap="square">
+            <a:spAutoFit/>
+          </a:bodyPr>
+          <a:lstStyle/>
+          <a:p>
+            <a:pPr algn="l">
+              <a:spcAft>
+                <a:spcPts val="600"/>
+              </a:spcAft>
+            </a:pPr>
+            <a:r>
+              <a:rPr lang="en-US" sz="2000" b="1" i="0">
+                <a:solidFill>
+                  <a:schemeClr val="tx2">
+                    <a:lumMod val="60000"/>
+                    <a:lumOff val="40000"/>
+                  </a:schemeClr>
+                </a:solidFill>
+                <a:effectLst/>
+                <a:latin typeface="Söhne"/>
+              </a:rPr>
+              <a:t>Project Overview:</a:t>
+            </a:r>
+          </a:p>
+          <a:p>
+            <a:pPr algn="just"/>
+            <a:r>
+              <a:rPr lang="en-US" sz="1400" b="0" i="0">
+                <a:solidFill>
+                  <a:srgbClr val="374151"/>
+                </a:solidFill>
+                <a:effectLst/>
+                <a:latin typeface="Söhne"/>
+              </a:rPr>
+              <a:t>Traditional classroom attendance systems are manual, time-consuming, and prone to human error. This project proposes an AI-based attendance system that leverages existing CCTV cameras installed in classrooms to automatically detect and recognize students present in the class, and then mark their attendance according to the class routine. This ensures accuracy, saves time, and improves overall class monitoring.</a:t>
+            </a:r>
+            <a:endParaRPr lang="en-US" sz="1400" b="1" i="0">
+              <a:solidFill>
+                <a:srgbClr val="374151"/>
+              </a:solidFill>
+              <a:effectLst/>
+              <a:latin typeface="Söhne"/>
+            </a:endParaRPr>
+          </a:p>
+        </p:txBody>
+      </p:sp>
+      <p:pic>
+        <p:nvPicPr>
+          <p:cNvPr id="28" name="Picture 27">
+            <a:extLst>
+              <a:ext uri="{FF2B5EF4-FFF2-40B4-BE49-F238E27FC236}">
+                <a16:creationId xmlns:a16="http://schemas.microsoft.com/office/drawing/2014/main" id="{A0F74780-F507-1BBE-35A7-28C1E4869C1D}"/>
+              </a:ext>
+            </a:extLst>
+          </p:cNvPr>
+          <p:cNvPicPr>
+            <a:picLocks noChangeAspect="1"/>
+          </p:cNvPicPr>
+          <p:nvPr/>
+        </p:nvPicPr>
+        <p:blipFill>
+          <a:blip r:embed="rId2">
+            <a:extLst>
+              <a:ext uri="{BEBA8EAE-BF5A-486C-A8C5-ECC9F3942E4B}">
+                <a14:imgProps xmlns:a14="http://schemas.microsoft.com/office/drawing/2010/main">
+                  <a14:imgLayer r:embed="rId3">
+                    <a14:imgEffect>
+                      <a14:artisticChalkSketch/>
+                    </a14:imgEffect>
+                  </a14:imgLayer>
+                </a14:imgProps>
+              </a:ext>
+            </a:extLst>
+          </a:blip>
+          <a:stretch>
+            <a:fillRect/>
+          </a:stretch>
+        </p:blipFill>
+        <p:spPr>
+          <a:xfrm>
+            <a:off x="0" y="8196146"/>
+            <a:ext cx="6858000" cy="947854"/>
+          </a:xfrm>
+          <a:prstGeom prst="rect">
+            <a:avLst/>
+          </a:prstGeom>
+        </p:spPr>
+      </p:pic>
+      <p:sp>
+        <p:nvSpPr>
+          <p:cNvPr id="4" name="TextBox 3">
+            <a:extLst>
+              <a:ext uri="{FF2B5EF4-FFF2-40B4-BE49-F238E27FC236}">
+                <a16:creationId xmlns:a16="http://schemas.microsoft.com/office/drawing/2014/main" id="{51991352-E287-727B-C907-58BAEE842497}"/>
+              </a:ext>
+            </a:extLst>
+          </p:cNvPr>
+          <p:cNvSpPr txBox="1"/>
+          <p:nvPr/>
+        </p:nvSpPr>
+        <p:spPr>
+          <a:xfrm>
+            <a:off x="244186" y="3101131"/>
+            <a:ext cx="6369628" cy="1338828"/>
+          </a:xfrm>
+          <a:prstGeom prst="rect">
+            <a:avLst/>
+          </a:prstGeom>
+          <a:noFill/>
+        </p:spPr>
+        <p:txBody>
+          <a:bodyPr wrap="square">
+            <a:spAutoFit/>
+          </a:bodyPr>
+          <a:lstStyle/>
+          <a:p>
+            <a:pPr algn="l">
+              <a:spcAft>
+                <a:spcPts val="600"/>
+              </a:spcAft>
+            </a:pPr>
+            <a:r>
+              <a:rPr lang="en-US" sz="2000" b="1" i="0">
+                <a:solidFill>
+                  <a:schemeClr val="tx2">
+                    <a:lumMod val="60000"/>
+                    <a:lumOff val="40000"/>
+                  </a:schemeClr>
+                </a:solidFill>
+                <a:effectLst/>
+                <a:latin typeface="Söhne"/>
+              </a:rPr>
+              <a:t>Problem Statement:</a:t>
+            </a:r>
+          </a:p>
+          <a:p>
+            <a:pPr algn="just">
+              <a:spcAft>
+                <a:spcPts val="1200"/>
+              </a:spcAft>
+            </a:pPr>
+            <a:r>
+              <a:rPr lang="en-US" sz="1400" b="0" i="0">
+                <a:solidFill>
+                  <a:srgbClr val="374151"/>
+                </a:solidFill>
+                <a:effectLst/>
+                <a:latin typeface="Söhne"/>
+              </a:rPr>
+              <a:t>Manually taking attendance in large classrooms is inefficient and distracts from valuable teaching time. Moreover, students may be marked present even if they are not physically present (proxy attendance). There is a lack of intelligent systems that can automate this process using existing infrastructure like CCTV.</a:t>
+            </a:r>
+            <a:endParaRPr lang="en-US" sz="1400" b="1" i="0">
+              <a:solidFill>
+                <a:srgbClr val="374151"/>
+              </a:solidFill>
+              <a:effectLst/>
+              <a:latin typeface="Söhne"/>
+            </a:endParaRPr>
+          </a:p>
+        </p:txBody>
+      </p:sp>
+      <p:sp>
+        <p:nvSpPr>
+          <p:cNvPr id="5" name="TextBox 4">
+            <a:extLst>
+              <a:ext uri="{FF2B5EF4-FFF2-40B4-BE49-F238E27FC236}">
+                <a16:creationId xmlns:a16="http://schemas.microsoft.com/office/drawing/2014/main" id="{0EC405A4-495E-65D8-8D1B-0F2E5C99C3E3}"/>
+              </a:ext>
+            </a:extLst>
+          </p:cNvPr>
+          <p:cNvSpPr txBox="1"/>
+          <p:nvPr/>
+        </p:nvSpPr>
+        <p:spPr>
+          <a:xfrm>
+            <a:off x="255334" y="4704041"/>
+            <a:ext cx="6369628" cy="2939266"/>
+          </a:xfrm>
+          <a:prstGeom prst="rect">
+            <a:avLst/>
+          </a:prstGeom>
+          <a:noFill/>
+        </p:spPr>
+        <p:txBody>
+          <a:bodyPr wrap="square">
+            <a:spAutoFit/>
+          </a:bodyPr>
+          <a:lstStyle/>
+          <a:p>
+            <a:pPr algn="just">
+              <a:spcAft>
+                <a:spcPts val="600"/>
+              </a:spcAft>
+            </a:pPr>
+            <a:r>
+              <a:rPr lang="en-US" sz="2000" b="1" i="0">
+                <a:solidFill>
+                  <a:schemeClr val="tx2">
+                    <a:lumMod val="60000"/>
+                    <a:lumOff val="40000"/>
+                  </a:schemeClr>
+                </a:solidFill>
+                <a:effectLst/>
+                <a:latin typeface="Söhne"/>
+              </a:rPr>
+              <a:t>Key Features:</a:t>
+            </a:r>
+          </a:p>
+          <a:p>
+            <a:pPr marL="285750" indent="-285750" algn="just">
+              <a:spcAft>
+                <a:spcPts val="600"/>
+              </a:spcAft>
+              <a:buFont typeface="Arial" panose="020B0604020202020204" pitchFamily="34" charset="0"/>
+              <a:buChar char="•"/>
+            </a:pPr>
+            <a:r>
+              <a:rPr lang="en-US" sz="1400" b="1" i="0">
+                <a:solidFill>
+                  <a:srgbClr val="374151"/>
+                </a:solidFill>
+                <a:effectLst/>
+                <a:latin typeface="Söhne"/>
+              </a:rPr>
+              <a:t>Face Detection &amp; Recognition</a:t>
+            </a:r>
+            <a:r>
+              <a:rPr lang="en-US" sz="1400" b="0" i="0">
+                <a:solidFill>
+                  <a:srgbClr val="374151"/>
+                </a:solidFill>
+                <a:effectLst/>
+                <a:latin typeface="Söhne"/>
+              </a:rPr>
+              <a:t>: Using computer vision to identify individual students from CCTV footage.</a:t>
+            </a:r>
+          </a:p>
+          <a:p>
+            <a:pPr marL="285750" indent="-285750" algn="just">
+              <a:spcAft>
+                <a:spcPts val="600"/>
+              </a:spcAft>
+              <a:buFont typeface="Arial" panose="020B0604020202020204" pitchFamily="34" charset="0"/>
+              <a:buChar char="•"/>
+            </a:pPr>
+            <a:r>
+              <a:rPr lang="en-US" sz="1400" b="1" i="0">
+                <a:solidFill>
+                  <a:srgbClr val="374151"/>
+                </a:solidFill>
+                <a:effectLst/>
+                <a:latin typeface="Söhne"/>
+              </a:rPr>
+              <a:t>Time &amp; Duration Analysis</a:t>
+            </a:r>
+            <a:r>
+              <a:rPr lang="en-US" sz="1400" b="0" i="0">
+                <a:solidFill>
+                  <a:srgbClr val="374151"/>
+                </a:solidFill>
+                <a:effectLst/>
+                <a:latin typeface="Söhne"/>
+              </a:rPr>
+              <a:t>: Track how long each student was present during the class.</a:t>
+            </a:r>
+          </a:p>
+          <a:p>
+            <a:pPr marL="285750" indent="-285750" algn="just">
+              <a:spcAft>
+                <a:spcPts val="600"/>
+              </a:spcAft>
+              <a:buFont typeface="Arial" panose="020B0604020202020204" pitchFamily="34" charset="0"/>
+              <a:buChar char="•"/>
+            </a:pPr>
+            <a:r>
+              <a:rPr lang="en-US" sz="1400" b="1" i="0">
+                <a:solidFill>
+                  <a:srgbClr val="374151"/>
+                </a:solidFill>
+                <a:effectLst/>
+                <a:latin typeface="Söhne"/>
+              </a:rPr>
+              <a:t>Routine Mapping</a:t>
+            </a:r>
+            <a:r>
+              <a:rPr lang="en-US" sz="1400" b="0" i="0">
+                <a:solidFill>
+                  <a:srgbClr val="374151"/>
+                </a:solidFill>
+                <a:effectLst/>
+                <a:latin typeface="Söhne"/>
+              </a:rPr>
+              <a:t>: Link with academic routine to determine which student was supposed to attend the class.</a:t>
+            </a:r>
+          </a:p>
+          <a:p>
+            <a:pPr marL="285750" indent="-285750" algn="just">
+              <a:spcAft>
+                <a:spcPts val="600"/>
+              </a:spcAft>
+              <a:buFont typeface="Arial" panose="020B0604020202020204" pitchFamily="34" charset="0"/>
+              <a:buChar char="•"/>
+            </a:pPr>
+            <a:r>
+              <a:rPr lang="en-US" sz="1400" b="1" i="0">
+                <a:solidFill>
+                  <a:srgbClr val="374151"/>
+                </a:solidFill>
+                <a:effectLst/>
+                <a:latin typeface="Söhne"/>
+              </a:rPr>
+              <a:t>Automated Attendance Marking</a:t>
+            </a:r>
+            <a:r>
+              <a:rPr lang="en-US" sz="1400" b="0" i="0">
+                <a:solidFill>
+                  <a:srgbClr val="374151"/>
+                </a:solidFill>
+                <a:effectLst/>
+                <a:latin typeface="Söhne"/>
+              </a:rPr>
+              <a:t>: Auto-update the attendance system without teacher intervention.</a:t>
+            </a:r>
+          </a:p>
+          <a:p>
+            <a:pPr marL="285750" indent="-285750" algn="just">
+              <a:spcAft>
+                <a:spcPts val="600"/>
+              </a:spcAft>
+              <a:buFont typeface="Arial" panose="020B0604020202020204" pitchFamily="34" charset="0"/>
+              <a:buChar char="•"/>
+            </a:pPr>
+            <a:r>
+              <a:rPr lang="en-US" sz="1400" b="1" i="0">
+                <a:solidFill>
+                  <a:srgbClr val="374151"/>
+                </a:solidFill>
+                <a:effectLst/>
+                <a:latin typeface="Söhne"/>
+              </a:rPr>
+              <a:t>Privacy &amp; Security</a:t>
+            </a:r>
+            <a:r>
+              <a:rPr lang="en-US" sz="1400" b="0" i="0">
+                <a:solidFill>
+                  <a:srgbClr val="374151"/>
+                </a:solidFill>
+                <a:effectLst/>
+                <a:latin typeface="Söhne"/>
+              </a:rPr>
+              <a:t>: Data will be securely stored and only accessible by authorized users.</a:t>
+            </a:r>
+            <a:endParaRPr lang="en-US" sz="1400" b="1" i="0">
+              <a:solidFill>
+                <a:srgbClr val="374151"/>
+              </a:solidFill>
+              <a:effectLst/>
+              <a:latin typeface="Söhne"/>
+            </a:endParaRPr>
+          </a:p>
+        </p:txBody>
+      </p:sp>
+    </p:spTree>
+    <p:extLst>
+      <p:ext uri="{BB962C8B-B14F-4D97-AF65-F5344CB8AC3E}">
+        <p14:creationId xmlns:p14="http://schemas.microsoft.com/office/powerpoint/2010/main" val="715057958"/>
+      </p:ext>
+    </p:extLst>
+  </p:cSld>
+  <p:clrMapOvr>
+    <a:masterClrMapping/>
+  </p:clrMapOvr>
+</p:sld>
+</file>
+
+<file path=ppt/slides/slide3.xml><?xml version="1.0" encoding="utf-8"?>
+<p:sld xmlns:a="http://schemas.openxmlformats.org/drawingml/2006/main" xmlns:r="http://schemas.openxmlformats.org/officeDocument/2006/relationships" xmlns:p="http://schemas.openxmlformats.org/presentationml/2006/main">
+  <p:cSld>
+    <p:bg>
+      <p:bgPr>
+        <a:solidFill>
+          <a:schemeClr val="bg1"/>
+        </a:solidFill>
+        <a:effectLst/>
+      </p:bgPr>
+    </p:bg>
+    <p:spTree>
+      <p:nvGrpSpPr>
+        <p:cNvPr id="1" name=""/>
+        <p:cNvGrpSpPr/>
+        <p:nvPr/>
+      </p:nvGrpSpPr>
+      <p:grpSpPr>
+        <a:xfrm>
+          <a:off x="0" y="0"/>
+          <a:ext cx="0" cy="0"/>
+          <a:chOff x="0" y="0"/>
+          <a:chExt cx="0" cy="0"/>
+        </a:xfrm>
+      </p:grpSpPr>
+      <p:sp>
+        <p:nvSpPr>
           <p:cNvPr id="3" name="TextBox 2">
             <a:extLst>
               <a:ext uri="{FF2B5EF4-FFF2-40B4-BE49-F238E27FC236}">
@@ -6693,7 +7998,7 @@
 </p:sld>
 </file>
 
-<file path=ppt/slides/slide3.xml><?xml version="1.0" encoding="utf-8"?>
+<file path=ppt/slides/slide4.xml><?xml version="1.0" encoding="utf-8"?>
 <p:sld xmlns:a="http://schemas.openxmlformats.org/drawingml/2006/main" xmlns:r="http://schemas.openxmlformats.org/officeDocument/2006/relationships" xmlns:p="http://schemas.openxmlformats.org/presentationml/2006/main">
   <p:cSld>
     <p:bg>
@@ -7239,7 +8544,7 @@
 </p:sld>
 </file>
 
-<file path=ppt/slides/slide4.xml><?xml version="1.0" encoding="utf-8"?>
+<file path=ppt/slides/slide5.xml><?xml version="1.0" encoding="utf-8"?>
 <p:sld xmlns:a="http://schemas.openxmlformats.org/drawingml/2006/main" xmlns:r="http://schemas.openxmlformats.org/officeDocument/2006/relationships" xmlns:p="http://schemas.openxmlformats.org/presentationml/2006/main">
   <p:cSld>
     <p:bg>
@@ -8491,6 +9796,35 @@
 </file>
 
 <file path=customXml/item1.xml><?xml version="1.0" encoding="utf-8"?>
+<p:properties xmlns:p="http://schemas.microsoft.com/office/2006/metadata/properties" xmlns:xsi="http://www.w3.org/2001/XMLSchema-instance" xmlns:pc="http://schemas.microsoft.com/office/infopath/2007/PartnerControls">
+  <documentManagement>
+    <_ip_UnifiedCompliancePolicyUIAction xmlns="http://schemas.microsoft.com/sharepoint/v3" xsi:nil="true"/>
+    <Image xmlns="71af3243-3dd4-4a8d-8c0d-dd76da1f02a5">
+      <Url xsi:nil="true"/>
+      <Description xsi:nil="true"/>
+    </Image>
+    <Status xmlns="71af3243-3dd4-4a8d-8c0d-dd76da1f02a5">Not started</Status>
+    <Background xmlns="71af3243-3dd4-4a8d-8c0d-dd76da1f02a5">false</Background>
+    <_ip_UnifiedCompliancePolicyProperties xmlns="http://schemas.microsoft.com/sharepoint/v3" xsi:nil="true"/>
+    <ImageTagsTaxHTField xmlns="71af3243-3dd4-4a8d-8c0d-dd76da1f02a5">
+      <Terms xmlns="http://schemas.microsoft.com/office/infopath/2007/PartnerControls"/>
+    </ImageTagsTaxHTField>
+    <TaxCatchAll xmlns="230e9df3-be65-4c73-a93b-d1236ebd677e" xsi:nil="true"/>
+    <MediaServiceKeyPoints xmlns="71af3243-3dd4-4a8d-8c0d-dd76da1f02a5" xsi:nil="true"/>
+  </documentManagement>
+</p:properties>
+</file>
+
+<file path=customXml/item2.xml><?xml version="1.0" encoding="utf-8"?>
+<?mso-contentType ?>
+<FormTemplates xmlns="http://schemas.microsoft.com/sharepoint/v3/contenttype/forms">
+  <Display>DocumentLibraryForm</Display>
+  <Edit>DocumentLibraryForm</Edit>
+  <New>DocumentLibraryForm</New>
+</FormTemplates>
+</file>
+
+<file path=customXml/item3.xml><?xml version="1.0" encoding="utf-8"?>
 <ct:contentTypeSchema xmlns:ct="http://schemas.microsoft.com/office/2006/metadata/contentType" xmlns:ma="http://schemas.microsoft.com/office/2006/metadata/properties/metaAttributes" ct:_="" ma:_="" ma:contentTypeName="Document" ma:contentTypeID="0x01010079F111ED35F8CC479449609E8A0923A6" ma:contentTypeVersion="26" ma:contentTypeDescription="Create a new document." ma:contentTypeScope="" ma:versionID="ac37c1753acd5e330d2062ccec26ea66">
   <xsd:schema xmlns:xsd="http://www.w3.org/2001/XMLSchema" xmlns:xs="http://www.w3.org/2001/XMLSchema" xmlns:p="http://schemas.microsoft.com/office/2006/metadata/properties" xmlns:ns1="http://schemas.microsoft.com/sharepoint/v3" xmlns:ns2="71af3243-3dd4-4a8d-8c0d-dd76da1f02a5" xmlns:ns3="16c05727-aa75-4e4a-9b5f-8a80a1165891" xmlns:ns4="230e9df3-be65-4c73-a93b-d1236ebd677e" targetNamespace="http://schemas.microsoft.com/office/2006/metadata/properties" ma:root="true" ma:fieldsID="3b340c7101c92c5120abd06486f94548" ns1:_="" ns2:_="" ns3:_="" ns4:_="">
     <xsd:import namespace="http://schemas.microsoft.com/sharepoint/v3"/>
@@ -8790,36 +10124,27 @@
 </ct:contentTypeSchema>
 </file>
 
-<file path=customXml/item2.xml><?xml version="1.0" encoding="utf-8"?>
-<?mso-contentType ?>
-<FormTemplates xmlns="http://schemas.microsoft.com/sharepoint/v3/contenttype/forms">
-  <Display>DocumentLibraryForm</Display>
-  <Edit>DocumentLibraryForm</Edit>
-  <New>DocumentLibraryForm</New>
-</FormTemplates>
+<file path=customXml/itemProps1.xml><?xml version="1.0" encoding="utf-8"?>
+<ds:datastoreItem xmlns:ds="http://schemas.openxmlformats.org/officeDocument/2006/customXml" ds:itemID="{F6C6742F-0A4F-48A7-933F-8B7C601C2976}">
+  <ds:schemaRefs>
+    <ds:schemaRef ds:uri="http://schemas.microsoft.com/office/2006/metadata/properties"/>
+    <ds:schemaRef ds:uri="http://schemas.microsoft.com/office/infopath/2007/PartnerControls"/>
+    <ds:schemaRef ds:uri="http://schemas.microsoft.com/sharepoint/v3"/>
+    <ds:schemaRef ds:uri="71af3243-3dd4-4a8d-8c0d-dd76da1f02a5"/>
+    <ds:schemaRef ds:uri="230e9df3-be65-4c73-a93b-d1236ebd677e"/>
+  </ds:schemaRefs>
+</ds:datastoreItem>
 </file>
 
-<file path=customXml/item3.xml><?xml version="1.0" encoding="utf-8"?>
-<p:properties xmlns:p="http://schemas.microsoft.com/office/2006/metadata/properties" xmlns:xsi="http://www.w3.org/2001/XMLSchema-instance" xmlns:pc="http://schemas.microsoft.com/office/infopath/2007/PartnerControls">
-  <documentManagement>
-    <_ip_UnifiedCompliancePolicyUIAction xmlns="http://schemas.microsoft.com/sharepoint/v3" xsi:nil="true"/>
-    <Image xmlns="71af3243-3dd4-4a8d-8c0d-dd76da1f02a5">
-      <Url xsi:nil="true"/>
-      <Description xsi:nil="true"/>
-    </Image>
-    <Status xmlns="71af3243-3dd4-4a8d-8c0d-dd76da1f02a5">Not started</Status>
-    <Background xmlns="71af3243-3dd4-4a8d-8c0d-dd76da1f02a5">false</Background>
-    <_ip_UnifiedCompliancePolicyProperties xmlns="http://schemas.microsoft.com/sharepoint/v3" xsi:nil="true"/>
-    <ImageTagsTaxHTField xmlns="71af3243-3dd4-4a8d-8c0d-dd76da1f02a5">
-      <Terms xmlns="http://schemas.microsoft.com/office/infopath/2007/PartnerControls"/>
-    </ImageTagsTaxHTField>
-    <TaxCatchAll xmlns="230e9df3-be65-4c73-a93b-d1236ebd677e" xsi:nil="true"/>
-    <MediaServiceKeyPoints xmlns="71af3243-3dd4-4a8d-8c0d-dd76da1f02a5" xsi:nil="true"/>
-  </documentManagement>
-</p:properties>
+<file path=customXml/itemProps2.xml><?xml version="1.0" encoding="utf-8"?>
+<ds:datastoreItem xmlns:ds="http://schemas.openxmlformats.org/officeDocument/2006/customXml" ds:itemID="{7740D214-CF85-489D-89BF-B8F25942268A}">
+  <ds:schemaRefs>
+    <ds:schemaRef ds:uri="http://schemas.microsoft.com/sharepoint/v3/contenttype/forms"/>
+  </ds:schemaRefs>
+</ds:datastoreItem>
 </file>
 
-<file path=customXml/itemProps1.xml><?xml version="1.0" encoding="utf-8"?>
+<file path=customXml/itemProps3.xml><?xml version="1.0" encoding="utf-8"?>
 <ds:datastoreItem xmlns:ds="http://schemas.openxmlformats.org/officeDocument/2006/customXml" ds:itemID="{B9A0E60B-2B24-417A-A2BD-D42203F0A49D}">
   <ds:schemaRefs>
     <ds:schemaRef ds:uri="http://schemas.microsoft.com/office/2006/metadata/contentType"/>
@@ -8840,26 +10165,6 @@
 </ds:datastoreItem>
 </file>
 
-<file path=customXml/itemProps2.xml><?xml version="1.0" encoding="utf-8"?>
-<ds:datastoreItem xmlns:ds="http://schemas.openxmlformats.org/officeDocument/2006/customXml" ds:itemID="{7740D214-CF85-489D-89BF-B8F25942268A}">
-  <ds:schemaRefs>
-    <ds:schemaRef ds:uri="http://schemas.microsoft.com/sharepoint/v3/contenttype/forms"/>
-  </ds:schemaRefs>
-</ds:datastoreItem>
-</file>
-
-<file path=customXml/itemProps3.xml><?xml version="1.0" encoding="utf-8"?>
-<ds:datastoreItem xmlns:ds="http://schemas.openxmlformats.org/officeDocument/2006/customXml" ds:itemID="{F6C6742F-0A4F-48A7-933F-8B7C601C2976}">
-  <ds:schemaRefs>
-    <ds:schemaRef ds:uri="http://schemas.microsoft.com/office/2006/metadata/properties"/>
-    <ds:schemaRef ds:uri="http://schemas.microsoft.com/office/infopath/2007/PartnerControls"/>
-    <ds:schemaRef ds:uri="http://schemas.microsoft.com/sharepoint/v3"/>
-    <ds:schemaRef ds:uri="71af3243-3dd4-4a8d-8c0d-dd76da1f02a5"/>
-    <ds:schemaRef ds:uri="230e9df3-be65-4c73-a93b-d1236ebd677e"/>
-  </ds:schemaRefs>
-</ds:datastoreItem>
-</file>
-
 <file path=docMetadata/LabelInfo.xml><?xml version="1.0" encoding="utf-8"?>
 <clbl:labelList xmlns:clbl="http://schemas.microsoft.com/office/2020/mipLabelMetadata"/>
 </file>
--- a/Lab/AI/AI (Project_Proposal).pptx
+++ b/Lab/AI/AI (Project_Proposal).pptx
@@ -5,10 +5,10 @@
     <p:sldMasterId id="2147483660" r:id="rId4"/>
   </p:sldMasterIdLst>
   <p:notesMasterIdLst>
-    <p:notesMasterId r:id="rId10"/>
+    <p:notesMasterId r:id="rId12"/>
   </p:notesMasterIdLst>
   <p:handoutMasterIdLst>
-    <p:handoutMasterId r:id="rId11"/>
+    <p:handoutMasterId r:id="rId13"/>
   </p:handoutMasterIdLst>
   <p:sldIdLst>
     <p:sldId id="1850" r:id="rId5"/>
@@ -16,6 +16,8 @@
     <p:sldId id="267" r:id="rId7"/>
     <p:sldId id="268" r:id="rId8"/>
     <p:sldId id="269" r:id="rId9"/>
+    <p:sldId id="1851" r:id="rId10"/>
+    <p:sldId id="1852" r:id="rId11"/>
   </p:sldIdLst>
   <p:sldSz cx="6858000" cy="9144000" type="letter"/>
   <p:notesSz cx="6858000" cy="9144000"/>
@@ -278,7 +280,7 @@
           <a:p>
             <a:fld id="{963396E7-87BF-864A-BE04-A221C272D6E1}" type="datetimeFigureOut">
               <a:rPr lang="en-US" smtClean="0"/>
-              <a:t>4/24/2025</a:t>
+              <a:t>4/29/2025</a:t>
             </a:fld>
             <a:endParaRPr lang="en-US" dirty="0"/>
           </a:p>
@@ -455,7 +457,7 @@
           <a:p>
             <a:fld id="{D9BDC7F0-27B3-48E7-9288-964E7EEDAEE4}" type="datetimeFigureOut">
               <a:rPr lang="en-US" smtClean="0"/>
-              <a:t>4/24/2025</a:t>
+              <a:t>4/29/2025</a:t>
             </a:fld>
             <a:endParaRPr lang="en-US" dirty="0"/>
           </a:p>
@@ -5265,7 +5267,7 @@
           <a:p>
             <a:fld id="{959F822C-F838-414C-BE88-4C36BDF8A5E0}" type="datetimeFigureOut">
               <a:rPr lang="en-US" smtClean="0"/>
-              <a:t>4/24/2025</a:t>
+              <a:t>4/29/2025</a:t>
             </a:fld>
             <a:endParaRPr lang="en-US"/>
           </a:p>
@@ -5716,7 +5718,7 @@
           <a:p>
             <a:fld id="{612E597E-2F4F-2747-A9DF-6BACAD15E325}" type="datetimeFigureOut">
               <a:rPr lang="en-US" smtClean="0"/>
-              <a:t>4/24/2025</a:t>
+              <a:t>4/29/2025</a:t>
             </a:fld>
             <a:endParaRPr lang="en-US" dirty="0"/>
           </a:p>
@@ -8995,6 +8997,1070 @@
     <p:extLst>
       <p:ext uri="{BB962C8B-B14F-4D97-AF65-F5344CB8AC3E}">
         <p14:creationId xmlns:p14="http://schemas.microsoft.com/office/powerpoint/2010/main" val="81249876"/>
+      </p:ext>
+    </p:extLst>
+  </p:cSld>
+  <p:clrMapOvr>
+    <a:masterClrMapping/>
+  </p:clrMapOvr>
+</p:sld>
+</file>
+
+<file path=ppt/slides/slide6.xml><?xml version="1.0" encoding="utf-8"?>
+<p:sld xmlns:a="http://schemas.openxmlformats.org/drawingml/2006/main" xmlns:r="http://schemas.openxmlformats.org/officeDocument/2006/relationships" xmlns:p="http://schemas.openxmlformats.org/presentationml/2006/main">
+  <p:cSld>
+    <p:bg>
+      <p:bgPr>
+        <a:solidFill>
+          <a:schemeClr val="bg1"/>
+        </a:solidFill>
+        <a:effectLst/>
+      </p:bgPr>
+    </p:bg>
+    <p:spTree>
+      <p:nvGrpSpPr>
+        <p:cNvPr id="1" name="">
+          <a:extLst>
+            <a:ext uri="{FF2B5EF4-FFF2-40B4-BE49-F238E27FC236}">
+              <a16:creationId xmlns:a16="http://schemas.microsoft.com/office/drawing/2014/main" id="{ED9D9887-A861-C9DD-7575-0625DA396A10}"/>
+            </a:ext>
+          </a:extLst>
+        </p:cNvPr>
+        <p:cNvGrpSpPr/>
+        <p:nvPr/>
+      </p:nvGrpSpPr>
+      <p:grpSpPr>
+        <a:xfrm>
+          <a:off x="0" y="0"/>
+          <a:ext cx="0" cy="0"/>
+          <a:chOff x="0" y="0"/>
+          <a:chExt cx="0" cy="0"/>
+        </a:xfrm>
+      </p:grpSpPr>
+      <p:sp>
+        <p:nvSpPr>
+          <p:cNvPr id="2" name="Title 1">
+            <a:extLst>
+              <a:ext uri="{FF2B5EF4-FFF2-40B4-BE49-F238E27FC236}">
+                <a16:creationId xmlns:a16="http://schemas.microsoft.com/office/drawing/2014/main" id="{9AD54200-7511-504B-9C0F-85C5C28536CB}"/>
+              </a:ext>
+            </a:extLst>
+          </p:cNvPr>
+          <p:cNvSpPr>
+            <a:spLocks noGrp="1"/>
+          </p:cNvSpPr>
+          <p:nvPr>
+            <p:ph type="title"/>
+          </p:nvPr>
+        </p:nvSpPr>
+        <p:spPr>
+          <a:xfrm>
+            <a:off x="0" y="265650"/>
+            <a:ext cx="6858000" cy="704591"/>
+          </a:xfrm>
+        </p:spPr>
+        <p:txBody>
+          <a:bodyPr>
+            <a:normAutofit/>
+          </a:bodyPr>
+          <a:lstStyle/>
+          <a:p>
+            <a:pPr algn="ctr"/>
+            <a:r>
+              <a:rPr lang="en-US" sz="2000" b="1" i="0">
+                <a:solidFill>
+                  <a:srgbClr val="82B660"/>
+                </a:solidFill>
+                <a:effectLst/>
+                <a:latin typeface="Söhne"/>
+              </a:rPr>
+              <a:t>Project Proposal: An AI Tool to Convert</a:t>
+            </a:r>
+            <a:br>
+              <a:rPr lang="en-US" sz="2000" b="1" i="0">
+                <a:solidFill>
+                  <a:srgbClr val="82B660"/>
+                </a:solidFill>
+                <a:effectLst/>
+                <a:latin typeface="Söhne"/>
+              </a:rPr>
+            </a:br>
+            <a:r>
+              <a:rPr lang="en-US" sz="2000" b="1" i="0">
+                <a:solidFill>
+                  <a:srgbClr val="82B660"/>
+                </a:solidFill>
+                <a:effectLst/>
+                <a:latin typeface="Söhne"/>
+              </a:rPr>
+              <a:t> Bengali Math Problems into Mathematical Equations</a:t>
+            </a:r>
+          </a:p>
+        </p:txBody>
+      </p:sp>
+      <p:sp>
+        <p:nvSpPr>
+          <p:cNvPr id="27" name="TextBox 26">
+            <a:extLst>
+              <a:ext uri="{FF2B5EF4-FFF2-40B4-BE49-F238E27FC236}">
+                <a16:creationId xmlns:a16="http://schemas.microsoft.com/office/drawing/2014/main" id="{103C17B8-2EAA-D722-4F64-36B86C0D0C5B}"/>
+              </a:ext>
+            </a:extLst>
+          </p:cNvPr>
+          <p:cNvSpPr txBox="1"/>
+          <p:nvPr/>
+        </p:nvSpPr>
+        <p:spPr>
+          <a:xfrm>
+            <a:off x="255334" y="1225194"/>
+            <a:ext cx="6369628" cy="2200602"/>
+          </a:xfrm>
+          <a:prstGeom prst="rect">
+            <a:avLst/>
+          </a:prstGeom>
+          <a:noFill/>
+        </p:spPr>
+        <p:txBody>
+          <a:bodyPr wrap="square">
+            <a:spAutoFit/>
+          </a:bodyPr>
+          <a:lstStyle/>
+          <a:p>
+            <a:pPr algn="l">
+              <a:spcAft>
+                <a:spcPts val="600"/>
+              </a:spcAft>
+            </a:pPr>
+            <a:r>
+              <a:rPr lang="en-US" sz="2000" b="1" i="0">
+                <a:solidFill>
+                  <a:schemeClr val="tx2">
+                    <a:lumMod val="60000"/>
+                    <a:lumOff val="40000"/>
+                  </a:schemeClr>
+                </a:solidFill>
+                <a:effectLst/>
+                <a:latin typeface="Söhne"/>
+              </a:rPr>
+              <a:t>Project Overview:</a:t>
+            </a:r>
+          </a:p>
+          <a:p>
+            <a:pPr algn="just"/>
+            <a:r>
+              <a:rPr lang="en-US" sz="1400" b="0" i="0">
+                <a:solidFill>
+                  <a:srgbClr val="374151"/>
+                </a:solidFill>
+                <a:effectLst/>
+                <a:latin typeface="Söhne"/>
+              </a:rPr>
+              <a:t>“MathBangla” is an innovative AI-powered tool designed to understand and convert Bengali-language mathematical word problems into structured mathematical equations. It leverages Natural Language Processing (NLP) and mathematical logic to interpret Bengali sentences—ranging from simple arithmetic to multi-variable algebraic word problems—and transform them into equations that can be solved or further analyzed.This tool aims to help students, educators, and educational platforms by automating the most error-prone part of solving math problems: converting words into equations.</a:t>
+            </a:r>
+            <a:endParaRPr lang="en-US" sz="1400" b="1" i="0">
+              <a:solidFill>
+                <a:srgbClr val="374151"/>
+              </a:solidFill>
+              <a:effectLst/>
+              <a:latin typeface="Söhne"/>
+            </a:endParaRPr>
+          </a:p>
+        </p:txBody>
+      </p:sp>
+      <p:pic>
+        <p:nvPicPr>
+          <p:cNvPr id="28" name="Picture 27">
+            <a:extLst>
+              <a:ext uri="{FF2B5EF4-FFF2-40B4-BE49-F238E27FC236}">
+                <a16:creationId xmlns:a16="http://schemas.microsoft.com/office/drawing/2014/main" id="{FA702F8A-01AE-57FD-0F69-7AC5B3DD38C8}"/>
+              </a:ext>
+            </a:extLst>
+          </p:cNvPr>
+          <p:cNvPicPr>
+            <a:picLocks noChangeAspect="1"/>
+          </p:cNvPicPr>
+          <p:nvPr/>
+        </p:nvPicPr>
+        <p:blipFill>
+          <a:blip r:embed="rId2">
+            <a:extLst>
+              <a:ext uri="{BEBA8EAE-BF5A-486C-A8C5-ECC9F3942E4B}">
+                <a14:imgProps xmlns:a14="http://schemas.microsoft.com/office/drawing/2010/main">
+                  <a14:imgLayer r:embed="rId3">
+                    <a14:imgEffect>
+                      <a14:artisticChalkSketch/>
+                    </a14:imgEffect>
+                  </a14:imgLayer>
+                </a14:imgProps>
+              </a:ext>
+            </a:extLst>
+          </a:blip>
+          <a:stretch>
+            <a:fillRect/>
+          </a:stretch>
+        </p:blipFill>
+        <p:spPr>
+          <a:xfrm>
+            <a:off x="0" y="8196146"/>
+            <a:ext cx="6858000" cy="947854"/>
+          </a:xfrm>
+          <a:prstGeom prst="rect">
+            <a:avLst/>
+          </a:prstGeom>
+        </p:spPr>
+      </p:pic>
+      <p:sp>
+        <p:nvSpPr>
+          <p:cNvPr id="4" name="TextBox 3">
+            <a:extLst>
+              <a:ext uri="{FF2B5EF4-FFF2-40B4-BE49-F238E27FC236}">
+                <a16:creationId xmlns:a16="http://schemas.microsoft.com/office/drawing/2014/main" id="{D9A90114-B898-5783-7B07-29358FC8B27F}"/>
+              </a:ext>
+            </a:extLst>
+          </p:cNvPr>
+          <p:cNvSpPr txBox="1"/>
+          <p:nvPr/>
+        </p:nvSpPr>
+        <p:spPr>
+          <a:xfrm>
+            <a:off x="255334" y="3678742"/>
+            <a:ext cx="6369628" cy="1554272"/>
+          </a:xfrm>
+          <a:prstGeom prst="rect">
+            <a:avLst/>
+          </a:prstGeom>
+          <a:noFill/>
+        </p:spPr>
+        <p:txBody>
+          <a:bodyPr wrap="square">
+            <a:spAutoFit/>
+          </a:bodyPr>
+          <a:lstStyle/>
+          <a:p>
+            <a:pPr algn="l">
+              <a:spcAft>
+                <a:spcPts val="600"/>
+              </a:spcAft>
+            </a:pPr>
+            <a:r>
+              <a:rPr lang="en-US" sz="2000" b="1" i="0">
+                <a:solidFill>
+                  <a:schemeClr val="tx2">
+                    <a:lumMod val="60000"/>
+                    <a:lumOff val="40000"/>
+                  </a:schemeClr>
+                </a:solidFill>
+                <a:effectLst/>
+                <a:latin typeface="Söhne"/>
+              </a:rPr>
+              <a:t>Problem Statement:</a:t>
+            </a:r>
+          </a:p>
+          <a:p>
+            <a:pPr algn="just">
+              <a:spcAft>
+                <a:spcPts val="1200"/>
+              </a:spcAft>
+            </a:pPr>
+            <a:r>
+              <a:rPr lang="en-US" sz="1400" b="0" i="0">
+                <a:solidFill>
+                  <a:srgbClr val="374151"/>
+                </a:solidFill>
+                <a:effectLst/>
+                <a:latin typeface="Söhne"/>
+              </a:rPr>
+              <a:t>Most Bengali-speaking students struggle to translate word-based math problems into proper algebraic equations. While there are English-based tools that partially solve this, no intelligent tool currently exists for the Bengali language that can understand complex mathematical logic and generate structured expressions. This language gap causes confusion, slows down learning, and limits access to digital education tools.</a:t>
+            </a:r>
+            <a:endParaRPr lang="en-US" sz="1400" b="1" i="0">
+              <a:solidFill>
+                <a:srgbClr val="374151"/>
+              </a:solidFill>
+              <a:effectLst/>
+              <a:latin typeface="Söhne"/>
+            </a:endParaRPr>
+          </a:p>
+        </p:txBody>
+      </p:sp>
+      <p:sp>
+        <p:nvSpPr>
+          <p:cNvPr id="5" name="TextBox 4">
+            <a:extLst>
+              <a:ext uri="{FF2B5EF4-FFF2-40B4-BE49-F238E27FC236}">
+                <a16:creationId xmlns:a16="http://schemas.microsoft.com/office/drawing/2014/main" id="{6498B208-E57A-10B3-064F-106BE82BE99E}"/>
+              </a:ext>
+            </a:extLst>
+          </p:cNvPr>
+          <p:cNvSpPr txBox="1"/>
+          <p:nvPr/>
+        </p:nvSpPr>
+        <p:spPr>
+          <a:xfrm>
+            <a:off x="255334" y="5465258"/>
+            <a:ext cx="6369628" cy="2215991"/>
+          </a:xfrm>
+          <a:prstGeom prst="rect">
+            <a:avLst/>
+          </a:prstGeom>
+          <a:noFill/>
+        </p:spPr>
+        <p:txBody>
+          <a:bodyPr wrap="square">
+            <a:spAutoFit/>
+          </a:bodyPr>
+          <a:lstStyle/>
+          <a:p>
+            <a:pPr algn="l">
+              <a:spcAft>
+                <a:spcPts val="600"/>
+              </a:spcAft>
+            </a:pPr>
+            <a:r>
+              <a:rPr lang="en-US" sz="2000" b="1" i="0">
+                <a:solidFill>
+                  <a:schemeClr val="tx2">
+                    <a:lumMod val="60000"/>
+                    <a:lumOff val="40000"/>
+                  </a:schemeClr>
+                </a:solidFill>
+                <a:effectLst/>
+                <a:latin typeface="Söhne"/>
+              </a:rPr>
+              <a:t>Objectives:</a:t>
+            </a:r>
+          </a:p>
+          <a:p>
+            <a:pPr marL="285750" indent="-285750">
+              <a:spcAft>
+                <a:spcPts val="600"/>
+              </a:spcAft>
+              <a:buFont typeface="Arial" panose="020B0604020202020204" pitchFamily="34" charset="0"/>
+              <a:buChar char="•"/>
+            </a:pPr>
+            <a:r>
+              <a:rPr lang="en-US" sz="1400">
+                <a:latin typeface="Söhne"/>
+              </a:rPr>
+              <a:t>Automatically extract quantities, relationships, and question goals from Bengali text.</a:t>
+            </a:r>
+          </a:p>
+          <a:p>
+            <a:pPr marL="285750" indent="-285750">
+              <a:spcAft>
+                <a:spcPts val="600"/>
+              </a:spcAft>
+              <a:buFont typeface="Arial" panose="020B0604020202020204" pitchFamily="34" charset="0"/>
+              <a:buChar char="•"/>
+            </a:pPr>
+            <a:r>
+              <a:rPr lang="en-US" sz="1400">
+                <a:latin typeface="Söhne"/>
+              </a:rPr>
+              <a:t>Convert Bengali math problems into accurate algebraic expressions or systems of equations.</a:t>
+            </a:r>
+          </a:p>
+          <a:p>
+            <a:pPr marL="285750" indent="-285750">
+              <a:spcAft>
+                <a:spcPts val="600"/>
+              </a:spcAft>
+              <a:buFont typeface="Arial" panose="020B0604020202020204" pitchFamily="34" charset="0"/>
+              <a:buChar char="•"/>
+            </a:pPr>
+            <a:r>
+              <a:rPr lang="en-US" sz="1400">
+                <a:latin typeface="Söhne"/>
+              </a:rPr>
+              <a:t>Handle a variety of problem types: arithmetic, ratio/proportion, unit value, linear equations, etc.</a:t>
+            </a:r>
+          </a:p>
+          <a:p>
+            <a:pPr marL="285750" indent="-285750">
+              <a:spcAft>
+                <a:spcPts val="600"/>
+              </a:spcAft>
+              <a:buFont typeface="Arial" panose="020B0604020202020204" pitchFamily="34" charset="0"/>
+              <a:buChar char="•"/>
+            </a:pPr>
+            <a:r>
+              <a:rPr lang="en-US" sz="1400">
+                <a:latin typeface="Söhne"/>
+              </a:rPr>
+              <a:t>Offer a clean, distraction-free output: only the mathematical expressions.</a:t>
+            </a:r>
+          </a:p>
+        </p:txBody>
+      </p:sp>
+    </p:spTree>
+    <p:extLst>
+      <p:ext uri="{BB962C8B-B14F-4D97-AF65-F5344CB8AC3E}">
+        <p14:creationId xmlns:p14="http://schemas.microsoft.com/office/powerpoint/2010/main" val="815729894"/>
+      </p:ext>
+    </p:extLst>
+  </p:cSld>
+  <p:clrMapOvr>
+    <a:masterClrMapping/>
+  </p:clrMapOvr>
+</p:sld>
+</file>
+
+<file path=ppt/slides/slide7.xml><?xml version="1.0" encoding="utf-8"?>
+<p:sld xmlns:a="http://schemas.openxmlformats.org/drawingml/2006/main" xmlns:r="http://schemas.openxmlformats.org/officeDocument/2006/relationships" xmlns:p="http://schemas.openxmlformats.org/presentationml/2006/main">
+  <p:cSld>
+    <p:bg>
+      <p:bgPr>
+        <a:solidFill>
+          <a:schemeClr val="bg1"/>
+        </a:solidFill>
+        <a:effectLst/>
+      </p:bgPr>
+    </p:bg>
+    <p:spTree>
+      <p:nvGrpSpPr>
+        <p:cNvPr id="1" name="">
+          <a:extLst>
+            <a:ext uri="{FF2B5EF4-FFF2-40B4-BE49-F238E27FC236}">
+              <a16:creationId xmlns:a16="http://schemas.microsoft.com/office/drawing/2014/main" id="{FEA39CDF-0ECF-D359-66D5-250C7674F548}"/>
+            </a:ext>
+          </a:extLst>
+        </p:cNvPr>
+        <p:cNvGrpSpPr/>
+        <p:nvPr/>
+      </p:nvGrpSpPr>
+      <p:grpSpPr>
+        <a:xfrm>
+          <a:off x="0" y="0"/>
+          <a:ext cx="0" cy="0"/>
+          <a:chOff x="0" y="0"/>
+          <a:chExt cx="0" cy="0"/>
+        </a:xfrm>
+      </p:grpSpPr>
+      <p:sp>
+        <p:nvSpPr>
+          <p:cNvPr id="3" name="TextBox 2">
+            <a:extLst>
+              <a:ext uri="{FF2B5EF4-FFF2-40B4-BE49-F238E27FC236}">
+                <a16:creationId xmlns:a16="http://schemas.microsoft.com/office/drawing/2014/main" id="{0A7B7687-4165-6A16-D8FE-6C8F75BB4E3E}"/>
+              </a:ext>
+            </a:extLst>
+          </p:cNvPr>
+          <p:cNvSpPr txBox="1"/>
+          <p:nvPr/>
+        </p:nvSpPr>
+        <p:spPr>
+          <a:xfrm>
+            <a:off x="198991" y="432901"/>
+            <a:ext cx="6460018" cy="1946687"/>
+          </a:xfrm>
+          <a:prstGeom prst="rect">
+            <a:avLst/>
+          </a:prstGeom>
+          <a:noFill/>
+        </p:spPr>
+        <p:txBody>
+          <a:bodyPr wrap="square">
+            <a:spAutoFit/>
+          </a:bodyPr>
+          <a:lstStyle/>
+          <a:p>
+            <a:pPr>
+              <a:spcAft>
+                <a:spcPts val="300"/>
+              </a:spcAft>
+            </a:pPr>
+            <a:r>
+              <a:rPr lang="en-US" sz="2000" b="1" i="0">
+                <a:solidFill>
+                  <a:schemeClr val="tx2">
+                    <a:lumMod val="60000"/>
+                    <a:lumOff val="40000"/>
+                  </a:schemeClr>
+                </a:solidFill>
+                <a:effectLst/>
+                <a:latin typeface="Söhne"/>
+              </a:rPr>
+              <a:t>Example Use Cases:</a:t>
+            </a:r>
+            <a:endParaRPr lang="en-US" sz="2000" b="0" i="0">
+              <a:solidFill>
+                <a:srgbClr val="374151"/>
+              </a:solidFill>
+              <a:effectLst/>
+              <a:latin typeface="Söhne"/>
+            </a:endParaRPr>
+          </a:p>
+          <a:p>
+            <a:pPr algn="just"/>
+            <a:r>
+              <a:rPr lang="en-US" sz="1400" b="1" i="0">
+                <a:solidFill>
+                  <a:srgbClr val="374151"/>
+                </a:solidFill>
+                <a:effectLst/>
+                <a:latin typeface="Söhne"/>
+              </a:rPr>
+              <a:t>Input (Bengali):</a:t>
+            </a:r>
+            <a:r>
+              <a:rPr lang="en-US" sz="1400" i="0">
+                <a:solidFill>
+                  <a:srgbClr val="374151"/>
+                </a:solidFill>
+                <a:effectLst/>
+                <a:latin typeface="Söhne"/>
+              </a:rPr>
+              <a:t>  </a:t>
+            </a:r>
+            <a:r>
+              <a:rPr lang="as-IN" sz="1400" b="0" i="0">
+                <a:solidFill>
+                  <a:srgbClr val="374151"/>
+                </a:solidFill>
+                <a:effectLst/>
+                <a:latin typeface="SolaimanLipi" panose="03000609000000000000" pitchFamily="65" charset="0"/>
+                <a:cs typeface="SolaimanLipi" panose="03000609000000000000" pitchFamily="65" charset="0"/>
+              </a:rPr>
+              <a:t>৫টি আমের দাম ৫</a:t>
+            </a:r>
+            <a:r>
+              <a:rPr lang="en-US" sz="1400" b="0" i="0">
+                <a:solidFill>
+                  <a:srgbClr val="374151"/>
+                </a:solidFill>
+                <a:effectLst/>
+                <a:latin typeface="SolaimanLipi" panose="03000609000000000000" pitchFamily="65" charset="0"/>
+                <a:cs typeface="SolaimanLipi" panose="03000609000000000000" pitchFamily="65" charset="0"/>
+              </a:rPr>
+              <a:t>x </a:t>
+            </a:r>
+            <a:r>
+              <a:rPr lang="as-IN" sz="1400" b="0" i="0">
+                <a:solidFill>
+                  <a:srgbClr val="374151"/>
+                </a:solidFill>
+                <a:effectLst/>
+                <a:latin typeface="SolaimanLipi" panose="03000609000000000000" pitchFamily="65" charset="0"/>
+                <a:cs typeface="SolaimanLipi" panose="03000609000000000000" pitchFamily="65" charset="0"/>
+              </a:rPr>
+              <a:t>টাকা। তাহলে ১৫টি আমের দাম কত?</a:t>
+            </a:r>
+            <a:endParaRPr lang="en-US" sz="1400" b="0" i="0">
+              <a:solidFill>
+                <a:srgbClr val="374151"/>
+              </a:solidFill>
+              <a:effectLst/>
+              <a:latin typeface="SolaimanLipi" panose="03000609000000000000" pitchFamily="65" charset="0"/>
+              <a:cs typeface="SolaimanLipi" panose="03000609000000000000" pitchFamily="65" charset="0"/>
+            </a:endParaRPr>
+          </a:p>
+          <a:p>
+            <a:pPr algn="just"/>
+            <a:r>
+              <a:rPr lang="en-US" sz="1400" b="1" i="0">
+                <a:solidFill>
+                  <a:srgbClr val="374151"/>
+                </a:solidFill>
+                <a:effectLst/>
+                <a:latin typeface="Söhne"/>
+              </a:rPr>
+              <a:t>AI Output:  </a:t>
+            </a:r>
+            <a:r>
+              <a:rPr lang="en-US" sz="1400" b="1" i="0">
+                <a:solidFill>
+                  <a:srgbClr val="92D050"/>
+                </a:solidFill>
+                <a:effectLst/>
+                <a:latin typeface="Söhne"/>
+              </a:rPr>
+              <a:t>(5x / 5) * 15 or simply 15x </a:t>
+            </a:r>
+          </a:p>
+          <a:p>
+            <a:pPr algn="just"/>
+            <a:endParaRPr lang="en-US" sz="1400" b="1" i="0">
+              <a:solidFill>
+                <a:srgbClr val="92D050"/>
+              </a:solidFill>
+              <a:effectLst/>
+              <a:latin typeface="Söhne"/>
+            </a:endParaRPr>
+          </a:p>
+          <a:p>
+            <a:pPr algn="just"/>
+            <a:r>
+              <a:rPr lang="en-US" sz="1400" b="1" i="0">
+                <a:effectLst/>
+                <a:latin typeface="Söhne"/>
+              </a:rPr>
+              <a:t>Input (Bengali):</a:t>
+            </a:r>
+            <a:r>
+              <a:rPr lang="en-US" sz="1400" i="0">
+                <a:effectLst/>
+                <a:latin typeface="Söhne"/>
+              </a:rPr>
+              <a:t> </a:t>
+            </a:r>
+            <a:r>
+              <a:rPr lang="as-IN" sz="1400" i="0">
+                <a:effectLst/>
+                <a:latin typeface="SolaimanLipi" panose="03000609000000000000" pitchFamily="65" charset="0"/>
+                <a:cs typeface="SolaimanLipi" panose="03000609000000000000" pitchFamily="65" charset="0"/>
+              </a:rPr>
+              <a:t>একটি খামারে কিছু মুরগি ও গরু আছে। মোট পা ৭০টি এবং মোট প্রাণীর সংখ্যা ২০। মুরগির ২টি ও গরুর ৪টি করে পা আছে।</a:t>
+            </a:r>
+            <a:endParaRPr lang="en-US" sz="1400" i="0">
+              <a:effectLst/>
+              <a:latin typeface="SolaimanLipi" panose="03000609000000000000" pitchFamily="65" charset="0"/>
+              <a:cs typeface="SolaimanLipi" panose="03000609000000000000" pitchFamily="65" charset="0"/>
+            </a:endParaRPr>
+          </a:p>
+          <a:p>
+            <a:pPr algn="just"/>
+            <a:r>
+              <a:rPr lang="en-US" sz="1400" b="1" i="0">
+                <a:solidFill>
+                  <a:srgbClr val="374151"/>
+                </a:solidFill>
+                <a:effectLst/>
+                <a:latin typeface="Söhne"/>
+              </a:rPr>
+              <a:t>AI Output:</a:t>
+            </a:r>
+            <a:r>
+              <a:rPr lang="en-US" sz="1400" i="0">
+                <a:solidFill>
+                  <a:srgbClr val="374151"/>
+                </a:solidFill>
+                <a:effectLst/>
+                <a:latin typeface="Söhne"/>
+              </a:rPr>
+              <a:t>    </a:t>
+            </a:r>
+            <a:r>
+              <a:rPr lang="es-ES" sz="1400" b="1" i="0">
+                <a:solidFill>
+                  <a:srgbClr val="92D050"/>
+                </a:solidFill>
+                <a:effectLst/>
+                <a:latin typeface="Söhne"/>
+              </a:rPr>
+              <a:t>x + y = 20        2x + 4y = 70</a:t>
+            </a:r>
+            <a:endParaRPr lang="en-US" sz="1400" b="1" i="0">
+              <a:solidFill>
+                <a:srgbClr val="92D050"/>
+              </a:solidFill>
+              <a:effectLst/>
+              <a:latin typeface="Söhne"/>
+            </a:endParaRPr>
+          </a:p>
+          <a:p>
+            <a:pPr algn="just"/>
+            <a:endParaRPr lang="en-US" sz="1400" i="0">
+              <a:effectLst/>
+              <a:latin typeface="SolaimanLipi" panose="03000609000000000000" pitchFamily="65" charset="0"/>
+              <a:cs typeface="SolaimanLipi" panose="03000609000000000000" pitchFamily="65" charset="0"/>
+            </a:endParaRPr>
+          </a:p>
+        </p:txBody>
+      </p:sp>
+      <p:sp>
+        <p:nvSpPr>
+          <p:cNvPr id="6" name="TextBox 5">
+            <a:extLst>
+              <a:ext uri="{FF2B5EF4-FFF2-40B4-BE49-F238E27FC236}">
+                <a16:creationId xmlns:a16="http://schemas.microsoft.com/office/drawing/2014/main" id="{06A7ED4D-B532-5689-7040-D2A536F67874}"/>
+              </a:ext>
+            </a:extLst>
+          </p:cNvPr>
+          <p:cNvSpPr txBox="1"/>
+          <p:nvPr/>
+        </p:nvSpPr>
+        <p:spPr>
+          <a:xfrm>
+            <a:off x="244186" y="7491889"/>
+            <a:ext cx="6489123" cy="1415772"/>
+          </a:xfrm>
+          <a:prstGeom prst="rect">
+            <a:avLst/>
+          </a:prstGeom>
+          <a:noFill/>
+        </p:spPr>
+        <p:txBody>
+          <a:bodyPr wrap="square">
+            <a:spAutoFit/>
+          </a:bodyPr>
+          <a:lstStyle/>
+          <a:p>
+            <a:pPr>
+              <a:spcAft>
+                <a:spcPts val="600"/>
+              </a:spcAft>
+            </a:pPr>
+            <a:r>
+              <a:rPr lang="en-US" b="1">
+                <a:solidFill>
+                  <a:srgbClr val="82B660"/>
+                </a:solidFill>
+              </a:rPr>
+              <a:t>Submitted by</a:t>
+            </a:r>
+            <a:r>
+              <a:rPr lang="en-US" sz="2000" b="1">
+                <a:solidFill>
+                  <a:srgbClr val="82B660"/>
+                </a:solidFill>
+              </a:rPr>
+              <a:t>,</a:t>
+            </a:r>
+          </a:p>
+          <a:p>
+            <a:pPr>
+              <a:spcAft>
+                <a:spcPts val="200"/>
+              </a:spcAft>
+            </a:pPr>
+            <a:r>
+              <a:rPr lang="en-US" sz="1400">
+                <a:solidFill>
+                  <a:srgbClr val="82B660"/>
+                </a:solidFill>
+              </a:rPr>
+              <a:t>Antor Hawlader (222071024)</a:t>
+            </a:r>
+          </a:p>
+          <a:p>
+            <a:pPr>
+              <a:spcAft>
+                <a:spcPts val="200"/>
+              </a:spcAft>
+            </a:pPr>
+            <a:r>
+              <a:rPr lang="en-US" sz="1400">
+                <a:solidFill>
+                  <a:srgbClr val="82B660"/>
+                </a:solidFill>
+              </a:rPr>
+              <a:t>Tamim Chad Likhon (222071045)</a:t>
+            </a:r>
+          </a:p>
+          <a:p>
+            <a:pPr>
+              <a:spcAft>
+                <a:spcPts val="200"/>
+              </a:spcAft>
+            </a:pPr>
+            <a:r>
+              <a:rPr lang="en-US" sz="1400">
+                <a:solidFill>
+                  <a:srgbClr val="82B660"/>
+                </a:solidFill>
+              </a:rPr>
+              <a:t>30</a:t>
+            </a:r>
+            <a:r>
+              <a:rPr lang="en-US" sz="1400" baseline="30000">
+                <a:solidFill>
+                  <a:srgbClr val="82B660"/>
+                </a:solidFill>
+              </a:rPr>
+              <a:t>th</a:t>
+            </a:r>
+            <a:r>
+              <a:rPr lang="en-US" sz="1400">
+                <a:solidFill>
+                  <a:srgbClr val="82B660"/>
+                </a:solidFill>
+              </a:rPr>
+              <a:t> Batch, CSE Dept, </a:t>
+            </a:r>
+          </a:p>
+          <a:p>
+            <a:pPr>
+              <a:spcAft>
+                <a:spcPts val="200"/>
+              </a:spcAft>
+            </a:pPr>
+            <a:r>
+              <a:rPr lang="en-US" sz="1400">
+                <a:solidFill>
+                  <a:srgbClr val="82B660"/>
+                </a:solidFill>
+              </a:rPr>
+              <a:t>Shanto-Mariam University of Creative Technology</a:t>
+            </a:r>
+          </a:p>
+        </p:txBody>
+      </p:sp>
+      <p:pic>
+        <p:nvPicPr>
+          <p:cNvPr id="9" name="Picture 8">
+            <a:extLst>
+              <a:ext uri="{FF2B5EF4-FFF2-40B4-BE49-F238E27FC236}">
+                <a16:creationId xmlns:a16="http://schemas.microsoft.com/office/drawing/2014/main" id="{0DE4C3F3-3D93-B869-1386-2657E87F6515}"/>
+              </a:ext>
+            </a:extLst>
+          </p:cNvPr>
+          <p:cNvPicPr>
+            <a:picLocks noChangeAspect="1"/>
+          </p:cNvPicPr>
+          <p:nvPr/>
+        </p:nvPicPr>
+        <p:blipFill>
+          <a:blip r:embed="rId2"/>
+          <a:stretch>
+            <a:fillRect/>
+          </a:stretch>
+        </p:blipFill>
+        <p:spPr>
+          <a:xfrm rot="4346001">
+            <a:off x="5408019" y="7501938"/>
+            <a:ext cx="980165" cy="1441824"/>
+          </a:xfrm>
+          <a:prstGeom prst="rect">
+            <a:avLst/>
+          </a:prstGeom>
+          <a:effectLst>
+            <a:outerShdw blurRad="25400" dist="50800" dir="5400000" algn="ctr" rotWithShape="0">
+              <a:srgbClr val="000000">
+                <a:alpha val="43137"/>
+              </a:srgbClr>
+            </a:outerShdw>
+          </a:effectLst>
+        </p:spPr>
+      </p:pic>
+      <p:sp>
+        <p:nvSpPr>
+          <p:cNvPr id="2" name="TextBox 1">
+            <a:extLst>
+              <a:ext uri="{FF2B5EF4-FFF2-40B4-BE49-F238E27FC236}">
+                <a16:creationId xmlns:a16="http://schemas.microsoft.com/office/drawing/2014/main" id="{B84A32B1-F429-F808-D552-22BFD7644319}"/>
+              </a:ext>
+            </a:extLst>
+          </p:cNvPr>
+          <p:cNvSpPr txBox="1"/>
+          <p:nvPr/>
+        </p:nvSpPr>
+        <p:spPr>
+          <a:xfrm>
+            <a:off x="198991" y="2427447"/>
+            <a:ext cx="6460018" cy="2354491"/>
+          </a:xfrm>
+          <a:prstGeom prst="rect">
+            <a:avLst/>
+          </a:prstGeom>
+          <a:noFill/>
+        </p:spPr>
+        <p:txBody>
+          <a:bodyPr wrap="square">
+            <a:spAutoFit/>
+          </a:bodyPr>
+          <a:lstStyle/>
+          <a:p>
+            <a:pPr>
+              <a:spcAft>
+                <a:spcPts val="300"/>
+              </a:spcAft>
+            </a:pPr>
+            <a:r>
+              <a:rPr lang="en-US" sz="2000" b="1" i="0">
+                <a:solidFill>
+                  <a:schemeClr val="tx2">
+                    <a:lumMod val="60000"/>
+                    <a:lumOff val="40000"/>
+                  </a:schemeClr>
+                </a:solidFill>
+                <a:effectLst/>
+                <a:latin typeface="Söhne"/>
+              </a:rPr>
+              <a:t>Key Features:</a:t>
+            </a:r>
+          </a:p>
+          <a:p>
+            <a:pPr algn="just">
+              <a:spcAft>
+                <a:spcPts val="500"/>
+              </a:spcAft>
+            </a:pPr>
+            <a:r>
+              <a:rPr lang="en-US" sz="1400" b="1" i="0">
+                <a:solidFill>
+                  <a:srgbClr val="374151"/>
+                </a:solidFill>
+                <a:effectLst/>
+                <a:latin typeface="Söhne"/>
+              </a:rPr>
+              <a:t>Bengali NLP Understanding</a:t>
+            </a:r>
+            <a:r>
+              <a:rPr lang="en-US" sz="1400" b="0" i="0">
+                <a:solidFill>
+                  <a:srgbClr val="374151"/>
+                </a:solidFill>
+                <a:effectLst/>
+                <a:latin typeface="Söhne"/>
+              </a:rPr>
+              <a:t>: Tokenization, part-of-speech tagging, and meaning extraction in Bengali.</a:t>
+            </a:r>
+          </a:p>
+          <a:p>
+            <a:pPr algn="just">
+              <a:spcAft>
+                <a:spcPts val="500"/>
+              </a:spcAft>
+            </a:pPr>
+            <a:r>
+              <a:rPr lang="en-US" sz="1400" b="1" i="0">
+                <a:solidFill>
+                  <a:srgbClr val="374151"/>
+                </a:solidFill>
+                <a:effectLst/>
+                <a:latin typeface="Söhne"/>
+              </a:rPr>
+              <a:t>Math Pattern Extraction</a:t>
+            </a:r>
+            <a:r>
+              <a:rPr lang="en-US" sz="1400" b="0" i="0">
+                <a:solidFill>
+                  <a:srgbClr val="374151"/>
+                </a:solidFill>
+                <a:effectLst/>
+                <a:latin typeface="Söhne"/>
+              </a:rPr>
+              <a:t>: Detects and understands quantities, relationships (sum, product, division), and logical flows.</a:t>
+            </a:r>
+          </a:p>
+          <a:p>
+            <a:pPr algn="just">
+              <a:spcAft>
+                <a:spcPts val="500"/>
+              </a:spcAft>
+            </a:pPr>
+            <a:r>
+              <a:rPr lang="en-US" sz="1400" b="1" i="0">
+                <a:solidFill>
+                  <a:srgbClr val="374151"/>
+                </a:solidFill>
+                <a:effectLst/>
+                <a:latin typeface="Söhne"/>
+              </a:rPr>
+              <a:t>Equation Generation Engine</a:t>
+            </a:r>
+            <a:r>
+              <a:rPr lang="en-US" sz="1400" b="0" i="0">
+                <a:solidFill>
+                  <a:srgbClr val="374151"/>
+                </a:solidFill>
+                <a:effectLst/>
+                <a:latin typeface="Söhne"/>
+              </a:rPr>
+              <a:t>: Converts the interpreted data into algebraic equations with defined variables.</a:t>
+            </a:r>
+          </a:p>
+          <a:p>
+            <a:pPr algn="just">
+              <a:spcAft>
+                <a:spcPts val="500"/>
+              </a:spcAft>
+            </a:pPr>
+            <a:r>
+              <a:rPr lang="en-US" sz="1400" b="1" i="0">
+                <a:solidFill>
+                  <a:srgbClr val="374151"/>
+                </a:solidFill>
+                <a:effectLst/>
+                <a:latin typeface="Söhne"/>
+              </a:rPr>
+              <a:t>Clean &amp; Direct Output</a:t>
+            </a:r>
+            <a:r>
+              <a:rPr lang="en-US" sz="1400" b="0" i="0">
+                <a:solidFill>
+                  <a:srgbClr val="374151"/>
+                </a:solidFill>
+                <a:effectLst/>
+                <a:latin typeface="Söhne"/>
+              </a:rPr>
+              <a:t>: Only outputs the necessary mathematical expressions—no extra text or noise.</a:t>
+            </a:r>
+          </a:p>
+        </p:txBody>
+      </p:sp>
+      <p:sp>
+        <p:nvSpPr>
+          <p:cNvPr id="4" name="TextBox 3">
+            <a:extLst>
+              <a:ext uri="{FF2B5EF4-FFF2-40B4-BE49-F238E27FC236}">
+                <a16:creationId xmlns:a16="http://schemas.microsoft.com/office/drawing/2014/main" id="{BC710929-095A-3403-1839-DE86FA444A75}"/>
+              </a:ext>
+            </a:extLst>
+          </p:cNvPr>
+          <p:cNvSpPr txBox="1"/>
+          <p:nvPr/>
+        </p:nvSpPr>
+        <p:spPr>
+          <a:xfrm>
+            <a:off x="198991" y="5029323"/>
+            <a:ext cx="6460018" cy="1300356"/>
+          </a:xfrm>
+          <a:prstGeom prst="rect">
+            <a:avLst/>
+          </a:prstGeom>
+          <a:noFill/>
+        </p:spPr>
+        <p:txBody>
+          <a:bodyPr wrap="square">
+            <a:spAutoFit/>
+          </a:bodyPr>
+          <a:lstStyle/>
+          <a:p>
+            <a:pPr>
+              <a:spcAft>
+                <a:spcPts val="300"/>
+              </a:spcAft>
+            </a:pPr>
+            <a:r>
+              <a:rPr lang="en-US" sz="2000" b="1" i="0">
+                <a:solidFill>
+                  <a:schemeClr val="tx2">
+                    <a:lumMod val="60000"/>
+                    <a:lumOff val="40000"/>
+                  </a:schemeClr>
+                </a:solidFill>
+                <a:effectLst/>
+                <a:latin typeface="Söhne"/>
+              </a:rPr>
+              <a:t>Conclusion:</a:t>
+            </a:r>
+            <a:endParaRPr lang="en-US" sz="2000" b="0" i="0">
+              <a:solidFill>
+                <a:srgbClr val="374151"/>
+              </a:solidFill>
+              <a:effectLst/>
+              <a:latin typeface="Söhne"/>
+            </a:endParaRPr>
+          </a:p>
+          <a:p>
+            <a:pPr algn="just"/>
+            <a:r>
+              <a:rPr lang="en-US" sz="1400" b="0" i="0">
+                <a:solidFill>
+                  <a:srgbClr val="374151"/>
+                </a:solidFill>
+                <a:effectLst/>
+                <a:latin typeface="Söhne"/>
+              </a:rPr>
+              <a:t>MathBangla is not just a translation tool—it's a math reasoning assistant built specifically for Bengali learners. It combines AI, NLP, and algebraic logic to create a powerful educational aid that can reduce barriers in STEM learning for millions of Bengali-speaking students.</a:t>
+            </a:r>
+          </a:p>
+        </p:txBody>
+      </p:sp>
+    </p:spTree>
+    <p:extLst>
+      <p:ext uri="{BB962C8B-B14F-4D97-AF65-F5344CB8AC3E}">
+        <p14:creationId xmlns:p14="http://schemas.microsoft.com/office/powerpoint/2010/main" val="2113194957"/>
       </p:ext>
     </p:extLst>
   </p:cSld>
@@ -9796,35 +10862,6 @@
 </file>
 
 <file path=customXml/item1.xml><?xml version="1.0" encoding="utf-8"?>
-<p:properties xmlns:p="http://schemas.microsoft.com/office/2006/metadata/properties" xmlns:xsi="http://www.w3.org/2001/XMLSchema-instance" xmlns:pc="http://schemas.microsoft.com/office/infopath/2007/PartnerControls">
-  <documentManagement>
-    <_ip_UnifiedCompliancePolicyUIAction xmlns="http://schemas.microsoft.com/sharepoint/v3" xsi:nil="true"/>
-    <Image xmlns="71af3243-3dd4-4a8d-8c0d-dd76da1f02a5">
-      <Url xsi:nil="true"/>
-      <Description xsi:nil="true"/>
-    </Image>
-    <Status xmlns="71af3243-3dd4-4a8d-8c0d-dd76da1f02a5">Not started</Status>
-    <Background xmlns="71af3243-3dd4-4a8d-8c0d-dd76da1f02a5">false</Background>
-    <_ip_UnifiedCompliancePolicyProperties xmlns="http://schemas.microsoft.com/sharepoint/v3" xsi:nil="true"/>
-    <ImageTagsTaxHTField xmlns="71af3243-3dd4-4a8d-8c0d-dd76da1f02a5">
-      <Terms xmlns="http://schemas.microsoft.com/office/infopath/2007/PartnerControls"/>
-    </ImageTagsTaxHTField>
-    <TaxCatchAll xmlns="230e9df3-be65-4c73-a93b-d1236ebd677e" xsi:nil="true"/>
-    <MediaServiceKeyPoints xmlns="71af3243-3dd4-4a8d-8c0d-dd76da1f02a5" xsi:nil="true"/>
-  </documentManagement>
-</p:properties>
-</file>
-
-<file path=customXml/item2.xml><?xml version="1.0" encoding="utf-8"?>
-<?mso-contentType ?>
-<FormTemplates xmlns="http://schemas.microsoft.com/sharepoint/v3/contenttype/forms">
-  <Display>DocumentLibraryForm</Display>
-  <Edit>DocumentLibraryForm</Edit>
-  <New>DocumentLibraryForm</New>
-</FormTemplates>
-</file>
-
-<file path=customXml/item3.xml><?xml version="1.0" encoding="utf-8"?>
 <ct:contentTypeSchema xmlns:ct="http://schemas.microsoft.com/office/2006/metadata/contentType" xmlns:ma="http://schemas.microsoft.com/office/2006/metadata/properties/metaAttributes" ct:_="" ma:_="" ma:contentTypeName="Document" ma:contentTypeID="0x01010079F111ED35F8CC479449609E8A0923A6" ma:contentTypeVersion="26" ma:contentTypeDescription="Create a new document." ma:contentTypeScope="" ma:versionID="ac37c1753acd5e330d2062ccec26ea66">
   <xsd:schema xmlns:xsd="http://www.w3.org/2001/XMLSchema" xmlns:xs="http://www.w3.org/2001/XMLSchema" xmlns:p="http://schemas.microsoft.com/office/2006/metadata/properties" xmlns:ns1="http://schemas.microsoft.com/sharepoint/v3" xmlns:ns2="71af3243-3dd4-4a8d-8c0d-dd76da1f02a5" xmlns:ns3="16c05727-aa75-4e4a-9b5f-8a80a1165891" xmlns:ns4="230e9df3-be65-4c73-a93b-d1236ebd677e" targetNamespace="http://schemas.microsoft.com/office/2006/metadata/properties" ma:root="true" ma:fieldsID="3b340c7101c92c5120abd06486f94548" ns1:_="" ns2:_="" ns3:_="" ns4:_="">
     <xsd:import namespace="http://schemas.microsoft.com/sharepoint/v3"/>
@@ -10124,27 +11161,36 @@
 </ct:contentTypeSchema>
 </file>
 
-<file path=customXml/itemProps1.xml><?xml version="1.0" encoding="utf-8"?>
-<ds:datastoreItem xmlns:ds="http://schemas.openxmlformats.org/officeDocument/2006/customXml" ds:itemID="{F6C6742F-0A4F-48A7-933F-8B7C601C2976}">
-  <ds:schemaRefs>
-    <ds:schemaRef ds:uri="http://schemas.microsoft.com/office/2006/metadata/properties"/>
-    <ds:schemaRef ds:uri="http://schemas.microsoft.com/office/infopath/2007/PartnerControls"/>
-    <ds:schemaRef ds:uri="http://schemas.microsoft.com/sharepoint/v3"/>
-    <ds:schemaRef ds:uri="71af3243-3dd4-4a8d-8c0d-dd76da1f02a5"/>
-    <ds:schemaRef ds:uri="230e9df3-be65-4c73-a93b-d1236ebd677e"/>
-  </ds:schemaRefs>
-</ds:datastoreItem>
+<file path=customXml/item2.xml><?xml version="1.0" encoding="utf-8"?>
+<?mso-contentType ?>
+<FormTemplates xmlns="http://schemas.microsoft.com/sharepoint/v3/contenttype/forms">
+  <Display>DocumentLibraryForm</Display>
+  <Edit>DocumentLibraryForm</Edit>
+  <New>DocumentLibraryForm</New>
+</FormTemplates>
 </file>
 
-<file path=customXml/itemProps2.xml><?xml version="1.0" encoding="utf-8"?>
-<ds:datastoreItem xmlns:ds="http://schemas.openxmlformats.org/officeDocument/2006/customXml" ds:itemID="{7740D214-CF85-489D-89BF-B8F25942268A}">
-  <ds:schemaRefs>
-    <ds:schemaRef ds:uri="http://schemas.microsoft.com/sharepoint/v3/contenttype/forms"/>
-  </ds:schemaRefs>
-</ds:datastoreItem>
+<file path=customXml/item3.xml><?xml version="1.0" encoding="utf-8"?>
+<p:properties xmlns:p="http://schemas.microsoft.com/office/2006/metadata/properties" xmlns:xsi="http://www.w3.org/2001/XMLSchema-instance" xmlns:pc="http://schemas.microsoft.com/office/infopath/2007/PartnerControls">
+  <documentManagement>
+    <_ip_UnifiedCompliancePolicyUIAction xmlns="http://schemas.microsoft.com/sharepoint/v3" xsi:nil="true"/>
+    <Image xmlns="71af3243-3dd4-4a8d-8c0d-dd76da1f02a5">
+      <Url xsi:nil="true"/>
+      <Description xsi:nil="true"/>
+    </Image>
+    <Status xmlns="71af3243-3dd4-4a8d-8c0d-dd76da1f02a5">Not started</Status>
+    <Background xmlns="71af3243-3dd4-4a8d-8c0d-dd76da1f02a5">false</Background>
+    <_ip_UnifiedCompliancePolicyProperties xmlns="http://schemas.microsoft.com/sharepoint/v3" xsi:nil="true"/>
+    <ImageTagsTaxHTField xmlns="71af3243-3dd4-4a8d-8c0d-dd76da1f02a5">
+      <Terms xmlns="http://schemas.microsoft.com/office/infopath/2007/PartnerControls"/>
+    </ImageTagsTaxHTField>
+    <TaxCatchAll xmlns="230e9df3-be65-4c73-a93b-d1236ebd677e" xsi:nil="true"/>
+    <MediaServiceKeyPoints xmlns="71af3243-3dd4-4a8d-8c0d-dd76da1f02a5" xsi:nil="true"/>
+  </documentManagement>
+</p:properties>
 </file>
 
-<file path=customXml/itemProps3.xml><?xml version="1.0" encoding="utf-8"?>
+<file path=customXml/itemProps1.xml><?xml version="1.0" encoding="utf-8"?>
 <ds:datastoreItem xmlns:ds="http://schemas.openxmlformats.org/officeDocument/2006/customXml" ds:itemID="{B9A0E60B-2B24-417A-A2BD-D42203F0A49D}">
   <ds:schemaRefs>
     <ds:schemaRef ds:uri="http://schemas.microsoft.com/office/2006/metadata/contentType"/>
@@ -10165,6 +11211,26 @@
 </ds:datastoreItem>
 </file>
 
+<file path=customXml/itemProps2.xml><?xml version="1.0" encoding="utf-8"?>
+<ds:datastoreItem xmlns:ds="http://schemas.openxmlformats.org/officeDocument/2006/customXml" ds:itemID="{7740D214-CF85-489D-89BF-B8F25942268A}">
+  <ds:schemaRefs>
+    <ds:schemaRef ds:uri="http://schemas.microsoft.com/sharepoint/v3/contenttype/forms"/>
+  </ds:schemaRefs>
+</ds:datastoreItem>
+</file>
+
+<file path=customXml/itemProps3.xml><?xml version="1.0" encoding="utf-8"?>
+<ds:datastoreItem xmlns:ds="http://schemas.openxmlformats.org/officeDocument/2006/customXml" ds:itemID="{F6C6742F-0A4F-48A7-933F-8B7C601C2976}">
+  <ds:schemaRefs>
+    <ds:schemaRef ds:uri="http://schemas.microsoft.com/office/2006/metadata/properties"/>
+    <ds:schemaRef ds:uri="http://schemas.microsoft.com/office/infopath/2007/PartnerControls"/>
+    <ds:schemaRef ds:uri="http://schemas.microsoft.com/sharepoint/v3"/>
+    <ds:schemaRef ds:uri="71af3243-3dd4-4a8d-8c0d-dd76da1f02a5"/>
+    <ds:schemaRef ds:uri="230e9df3-be65-4c73-a93b-d1236ebd677e"/>
+  </ds:schemaRefs>
+</ds:datastoreItem>
+</file>
+
 <file path=docMetadata/LabelInfo.xml><?xml version="1.0" encoding="utf-8"?>
 <clbl:labelList xmlns:clbl="http://schemas.microsoft.com/office/2020/mipLabelMetadata"/>
 </file>
--- a/Lab/AI/AI (Project_Proposal).pptx
+++ b/Lab/AI/AI (Project_Proposal).pptx
@@ -5,10 +5,10 @@
     <p:sldMasterId id="2147483660" r:id="rId4"/>
   </p:sldMasterIdLst>
   <p:notesMasterIdLst>
-    <p:notesMasterId r:id="rId12"/>
+    <p:notesMasterId r:id="rId13"/>
   </p:notesMasterIdLst>
   <p:handoutMasterIdLst>
-    <p:handoutMasterId r:id="rId13"/>
+    <p:handoutMasterId r:id="rId14"/>
   </p:handoutMasterIdLst>
   <p:sldIdLst>
     <p:sldId id="1850" r:id="rId5"/>
@@ -18,6 +18,7 @@
     <p:sldId id="269" r:id="rId9"/>
     <p:sldId id="1851" r:id="rId10"/>
     <p:sldId id="1852" r:id="rId11"/>
+    <p:sldId id="1853" r:id="rId12"/>
   </p:sldIdLst>
   <p:sldSz cx="6858000" cy="9144000" type="letter"/>
   <p:notesSz cx="6858000" cy="9144000"/>
@@ -280,7 +281,7 @@
           <a:p>
             <a:fld id="{963396E7-87BF-864A-BE04-A221C272D6E1}" type="datetimeFigureOut">
               <a:rPr lang="en-US" smtClean="0"/>
-              <a:t>4/29/2025</a:t>
+              <a:t>7/24/2025</a:t>
             </a:fld>
             <a:endParaRPr lang="en-US" dirty="0"/>
           </a:p>
@@ -373,6 +374,180 @@
   </p:cSld>
   <p:clrMap bg1="lt1" tx1="dk1" bg2="lt2" tx2="dk2" accent1="accent1" accent2="accent2" accent3="accent3" accent4="accent4" accent5="accent5" accent6="accent6" hlink="hlink" folHlink="folHlink"/>
 </p:handoutMaster>
+</file>
+
+<file path=ppt/ink/ink1.xml><?xml version="1.0" encoding="utf-8"?>
+<inkml:ink xmlns:inkml="http://www.w3.org/2003/InkML">
+  <inkml:definitions>
+    <inkml:context xml:id="ctx0">
+      <inkml:inkSource xml:id="inkSrc0">
+        <inkml:traceFormat>
+          <inkml:channel name="X" type="integer" min="-2.14748E9" max="2.14748E9" units="cm"/>
+          <inkml:channel name="Y" type="integer" min="-2.14748E9" max="2.14748E9" units="cm"/>
+        </inkml:traceFormat>
+        <inkml:channelProperties>
+          <inkml:channelProperty channel="X" name="resolution" value="1000" units="1/cm"/>
+          <inkml:channelProperty channel="Y" name="resolution" value="1000" units="1/cm"/>
+        </inkml:channelProperties>
+      </inkml:inkSource>
+      <inkml:timestamp xml:id="ts0" timeString="2025-07-23T21:46:58.993"/>
+    </inkml:context>
+    <inkml:brush xml:id="br0">
+      <inkml:brushProperty name="width" value="0.3" units="cm"/>
+      <inkml:brushProperty name="height" value="0.6" units="cm"/>
+      <inkml:brushProperty name="color" value="#FFFC00"/>
+      <inkml:brushProperty name="tip" value="rectangle"/>
+      <inkml:brushProperty name="rasterOp" value="maskPen"/>
+      <inkml:brushProperty name="ignorePressure" value="1"/>
+    </inkml:brush>
+  </inkml:definitions>
+  <inkml:trace contextRef="#ctx0" brushRef="#br0">1 82,'489'0,"-473"0,-1 2,30 6,-29-4,1-1,21 1,537-2,-281-4,903 2,-1167-2,45-7,20-2,-74 9,0-1,0-1,35-11,13-3,-62 16,1 0,-1-1,0 0,0 0,8-5,9-4,-12 7</inkml:trace>
+</inkml:ink>
+</file>
+
+<file path=ppt/ink/ink2.xml><?xml version="1.0" encoding="utf-8"?>
+<inkml:ink xmlns:inkml="http://www.w3.org/2003/InkML">
+  <inkml:definitions>
+    <inkml:context xml:id="ctx0">
+      <inkml:inkSource xml:id="inkSrc0">
+        <inkml:traceFormat>
+          <inkml:channel name="X" type="integer" min="-2.14748E9" max="2.14748E9" units="cm"/>
+          <inkml:channel name="Y" type="integer" min="-2.14748E9" max="2.14748E9" units="cm"/>
+        </inkml:traceFormat>
+        <inkml:channelProperties>
+          <inkml:channelProperty channel="X" name="resolution" value="1000" units="1/cm"/>
+          <inkml:channelProperty channel="Y" name="resolution" value="1000" units="1/cm"/>
+        </inkml:channelProperties>
+      </inkml:inkSource>
+      <inkml:timestamp xml:id="ts0" timeString="2025-07-23T21:49:46.961"/>
+    </inkml:context>
+    <inkml:brush xml:id="br0">
+      <inkml:brushProperty name="width" value="0.3" units="cm"/>
+      <inkml:brushProperty name="height" value="0.6" units="cm"/>
+      <inkml:brushProperty name="color" value="#FFFC00"/>
+      <inkml:brushProperty name="tip" value="rectangle"/>
+      <inkml:brushProperty name="rasterOp" value="maskPen"/>
+      <inkml:brushProperty name="ignorePressure" value="1"/>
+    </inkml:brush>
+  </inkml:definitions>
+  <inkml:trace contextRef="#ctx0" brushRef="#br0">1 91,'547'0,"-414"-11,-10 0,552 10,-326 2,-325-2,1-2,-1 0,36-11,-34 7,1 2,41-4,1 8,-34 1,1-1,53-10,-40 4,0 3,0 1,66 6,-16 0,16-5,118 4,-213 1,0 0,38 12,-38-9,0-1,32 4,89 16,-40-5,-87-18,0 2,0 0,13 6,-16-6,0 0,0 0,1-1,23 3,56-4,-51-3,58 8,59 7,-5-2,-62-3,164-7,-122-5,718 4,-823-3,1-1,31-7,-32 5,18-6,-31 7,1 1,23-3,-21 6</inkml:trace>
+</inkml:ink>
+</file>
+
+<file path=ppt/ink/ink3.xml><?xml version="1.0" encoding="utf-8"?>
+<inkml:ink xmlns:inkml="http://www.w3.org/2003/InkML">
+  <inkml:definitions>
+    <inkml:context xml:id="ctx0">
+      <inkml:inkSource xml:id="inkSrc0">
+        <inkml:traceFormat>
+          <inkml:channel name="X" type="integer" min="-2.14748E9" max="2.14748E9" units="cm"/>
+          <inkml:channel name="Y" type="integer" min="-2.14748E9" max="2.14748E9" units="cm"/>
+        </inkml:traceFormat>
+        <inkml:channelProperties>
+          <inkml:channelProperty channel="X" name="resolution" value="1000" units="1/cm"/>
+          <inkml:channelProperty channel="Y" name="resolution" value="1000" units="1/cm"/>
+        </inkml:channelProperties>
+      </inkml:inkSource>
+      <inkml:timestamp xml:id="ts0" timeString="2025-07-23T21:50:03.947"/>
+    </inkml:context>
+    <inkml:brush xml:id="br0">
+      <inkml:brushProperty name="width" value="0.3" units="cm"/>
+      <inkml:brushProperty name="height" value="0.6" units="cm"/>
+      <inkml:brushProperty name="color" value="#FFFC00"/>
+      <inkml:brushProperty name="tip" value="rectangle"/>
+      <inkml:brushProperty name="rasterOp" value="maskPen"/>
+      <inkml:brushProperty name="ignorePressure" value="1"/>
+    </inkml:brush>
+  </inkml:definitions>
+  <inkml:trace contextRef="#ctx0" brushRef="#br0">1 153,'0'-1,"0"0,0 0,1 0,-1 1,0-1,1 0,-1 0,1 1,-1-1,1 0,-1 1,1-1,-1 1,1-1,0 1,-1-1,1 1,0-1,-1 1,1-1,0 1,-1 0,1 0,0-1,0 1,0 0,-1 0,2 0,27-4,-25 4,372-5,-204 8,241-3,-388-2,0 0,25-6,18-3,191-11,-25-9,-164 19,0 3,90-1,-109 10,0-2,54-8,-27 2,1 4,82 5,-42 2,792-3,-879 1,0 2,57 14,-58-10,0-1,60 3,-73-9,-1-1,-1 1,1 1,0 0,-1 1,1 1,18 6,6 2,0-1,1-2,48 2,-54-6,58 2,107-6,-74-3,-102 4,1-2,-1-1,0-1,0-1,0-1,27-9,-31 7,37-5,-15 4,12 1,-37 6</inkml:trace>
+</inkml:ink>
+</file>
+
+<file path=ppt/ink/ink4.xml><?xml version="1.0" encoding="utf-8"?>
+<inkml:ink xmlns:inkml="http://www.w3.org/2003/InkML">
+  <inkml:definitions>
+    <inkml:context xml:id="ctx0">
+      <inkml:inkSource xml:id="inkSrc0">
+        <inkml:traceFormat>
+          <inkml:channel name="X" type="integer" min="-2.14748E9" max="2.14748E9" units="cm"/>
+          <inkml:channel name="Y" type="integer" min="-2.14748E9" max="2.14748E9" units="cm"/>
+        </inkml:traceFormat>
+        <inkml:channelProperties>
+          <inkml:channelProperty channel="X" name="resolution" value="1000" units="1/cm"/>
+          <inkml:channelProperty channel="Y" name="resolution" value="1000" units="1/cm"/>
+        </inkml:channelProperties>
+      </inkml:inkSource>
+      <inkml:timestamp xml:id="ts0" timeString="2025-07-23T22:02:33.975"/>
+    </inkml:context>
+    <inkml:brush xml:id="br0">
+      <inkml:brushProperty name="width" value="0.3" units="cm"/>
+      <inkml:brushProperty name="height" value="0.6" units="cm"/>
+      <inkml:brushProperty name="color" value="#FFFC00"/>
+      <inkml:brushProperty name="tip" value="rectangle"/>
+      <inkml:brushProperty name="rasterOp" value="maskPen"/>
+      <inkml:brushProperty name="ignorePressure" value="1"/>
+    </inkml:brush>
+  </inkml:definitions>
+  <inkml:trace contextRef="#ctx0" brushRef="#br0">1 2,'38'-1,"0"1,0 3,0 1,68 17,-84-16,1-1,1-1,-1-1,36-2,16 2,-5 8,-48-6,36 3,146-9,68 4,-232 3,42 10,-45-7,49 4,64-12,18 2,-117 8,9 0,-14-8,-4-1,57 9,-41-3,1-2,101-6,-53-2,-30 5,88-4,-102-8,-45 6,1 1,20-1,127-12,-128 12,54 3,-58 1,1-1,39-6,8-2,0 3,119 6,-73 3,738-4,-842 3,46 7,-45-4,44 1,-44-6,0 1,0 1,35 7,-4 2,1-2,0-3,95-2,-118-2,-1 1,64 14,-63-10,-1-1,60 3,30-8,162-4,-190-8,-53 6,52-1,1 7,108-2,-25-21,-97 13,-40 3,42 1,-46 3,37-7,38-1,188 11,-282-1</inkml:trace>
+</inkml:ink>
+</file>
+
+<file path=ppt/ink/ink5.xml><?xml version="1.0" encoding="utf-8"?>
+<inkml:ink xmlns:inkml="http://www.w3.org/2003/InkML">
+  <inkml:definitions>
+    <inkml:context xml:id="ctx0">
+      <inkml:inkSource xml:id="inkSrc0">
+        <inkml:traceFormat>
+          <inkml:channel name="X" type="integer" min="-2.14748E9" max="2.14748E9" units="cm"/>
+          <inkml:channel name="Y" type="integer" min="-2.14748E9" max="2.14748E9" units="cm"/>
+        </inkml:traceFormat>
+        <inkml:channelProperties>
+          <inkml:channelProperty channel="X" name="resolution" value="1000" units="1/cm"/>
+          <inkml:channelProperty channel="Y" name="resolution" value="1000" units="1/cm"/>
+        </inkml:channelProperties>
+      </inkml:inkSource>
+      <inkml:timestamp xml:id="ts0" timeString="2025-07-23T22:11:20.430"/>
+    </inkml:context>
+    <inkml:brush xml:id="br0">
+      <inkml:brushProperty name="width" value="0.3" units="cm"/>
+      <inkml:brushProperty name="height" value="0.6" units="cm"/>
+      <inkml:brushProperty name="color" value="#FFFC00"/>
+      <inkml:brushProperty name="tip" value="rectangle"/>
+      <inkml:brushProperty name="rasterOp" value="maskPen"/>
+      <inkml:brushProperty name="ignorePressure" value="1"/>
+    </inkml:brush>
+  </inkml:definitions>
+  <inkml:trace contextRef="#ctx0" brushRef="#br0">1 1,'1'2,"1"1,-1 0,1-1,0 1,-1-1,1 1,0-1,1 0,-1 0,0 0,1 0,-1 0,6 2,0 2,26 20,1-2,1-1,50 22,-69-36,1-1,0-1,0 0,1-1,0-1,0-1,1-1,-1 0,27-1,88-1,121-4,-119-18,-13 2,-39 8,-46 6,60-2,-78 7,-1-1,1-1,35-7,3-3,91-8,-72 11,-35 3,48 1,4 1,117-19,-135 12,-1 5,117 6,-77 3,15-14,1 0,161 1,1-1,-62 12,-213-1</inkml:trace>
+</inkml:ink>
+</file>
+
+<file path=ppt/ink/ink6.xml><?xml version="1.0" encoding="utf-8"?>
+<inkml:ink xmlns:inkml="http://www.w3.org/2003/InkML">
+  <inkml:definitions>
+    <inkml:context xml:id="ctx0">
+      <inkml:inkSource xml:id="inkSrc0">
+        <inkml:traceFormat>
+          <inkml:channel name="X" type="integer" min="-2.14748E9" max="2.14748E9" units="cm"/>
+          <inkml:channel name="Y" type="integer" min="-2.14748E9" max="2.14748E9" units="cm"/>
+        </inkml:traceFormat>
+        <inkml:channelProperties>
+          <inkml:channelProperty channel="X" name="resolution" value="1000" units="1/cm"/>
+          <inkml:channelProperty channel="Y" name="resolution" value="1000" units="1/cm"/>
+        </inkml:channelProperties>
+      </inkml:inkSource>
+      <inkml:timestamp xml:id="ts0" timeString="2025-07-23T22:17:22.805"/>
+    </inkml:context>
+    <inkml:brush xml:id="br0">
+      <inkml:brushProperty name="width" value="0.3" units="cm"/>
+      <inkml:brushProperty name="height" value="0.6" units="cm"/>
+      <inkml:brushProperty name="color" value="#FFFC00"/>
+      <inkml:brushProperty name="tip" value="rectangle"/>
+      <inkml:brushProperty name="rasterOp" value="maskPen"/>
+      <inkml:brushProperty name="ignorePressure" value="1"/>
+    </inkml:brush>
+  </inkml:definitions>
+  <inkml:trace contextRef="#ctx0" brushRef="#br0">1 130,'3'0,"1"0,-1 1,0 0,1 0,-1 0,0 0,0 1,5 2,12 5,-15-7,24 8,1-1,1-2,-1-1,1-1,36 0,-50-4,0 1,31 7,-1 0,6-1,-21-3,58 3,107 3,8-1,-135-9,86-3,-31-19,-17 3,64-8,-12 2,-26 2,123-13,-73 17,-130 14,64 2,-69 3,90-9,-81 2,74 1,-20 2,-65-2,52-12,29-4,-55 12,54-2,-46 9,121 5,-139 7,-43-6,40 3,-25-6,108 6,448 8,-438-17,-113 3,-26 0,0 0,-1-1,1-1,-1 0,18-4,-19 0</inkml:trace>
+</inkml:ink>
 </file>
 
 <file path=ppt/notesMasters/notesMaster1.xml><?xml version="1.0" encoding="utf-8"?>
@@ -457,7 +632,7 @@
           <a:p>
             <a:fld id="{D9BDC7F0-27B3-48E7-9288-964E7EEDAEE4}" type="datetimeFigureOut">
               <a:rPr lang="en-US" smtClean="0"/>
-              <a:t>4/29/2025</a:t>
+              <a:t>7/24/2025</a:t>
             </a:fld>
             <a:endParaRPr lang="en-US" dirty="0"/>
           </a:p>
@@ -5267,7 +5442,7 @@
           <a:p>
             <a:fld id="{959F822C-F838-414C-BE88-4C36BDF8A5E0}" type="datetimeFigureOut">
               <a:rPr lang="en-US" smtClean="0"/>
-              <a:t>4/29/2025</a:t>
+              <a:t>7/24/2025</a:t>
             </a:fld>
             <a:endParaRPr lang="en-US"/>
           </a:p>
@@ -5718,7 +5893,7 @@
           <a:p>
             <a:fld id="{612E597E-2F4F-2747-A9DF-6BACAD15E325}" type="datetimeFigureOut">
               <a:rPr lang="en-US" smtClean="0"/>
-              <a:t>4/29/2025</a:t>
+              <a:t>7/24/2025</a:t>
             </a:fld>
             <a:endParaRPr lang="en-US" dirty="0"/>
           </a:p>
@@ -10061,6 +10236,437 @@
     <p:extLst>
       <p:ext uri="{BB962C8B-B14F-4D97-AF65-F5344CB8AC3E}">
         <p14:creationId xmlns:p14="http://schemas.microsoft.com/office/powerpoint/2010/main" val="2113194957"/>
+      </p:ext>
+    </p:extLst>
+  </p:cSld>
+  <p:clrMapOvr>
+    <a:masterClrMapping/>
+  </p:clrMapOvr>
+</p:sld>
+</file>
+
+<file path=ppt/slides/slide8.xml><?xml version="1.0" encoding="utf-8"?>
+<p:sld xmlns:a="http://schemas.openxmlformats.org/drawingml/2006/main" xmlns:r="http://schemas.openxmlformats.org/officeDocument/2006/relationships" xmlns:p="http://schemas.openxmlformats.org/presentationml/2006/main">
+  <p:cSld>
+    <p:bg>
+      <p:bgPr>
+        <a:solidFill>
+          <a:schemeClr val="bg1"/>
+        </a:solidFill>
+        <a:effectLst/>
+      </p:bgPr>
+    </p:bg>
+    <p:spTree>
+      <p:nvGrpSpPr>
+        <p:cNvPr id="1" name="">
+          <a:extLst>
+            <a:ext uri="{FF2B5EF4-FFF2-40B4-BE49-F238E27FC236}">
+              <a16:creationId xmlns:a16="http://schemas.microsoft.com/office/drawing/2014/main" id="{A190189F-170A-6F59-2BE8-18830E64E69D}"/>
+            </a:ext>
+          </a:extLst>
+        </p:cNvPr>
+        <p:cNvGrpSpPr/>
+        <p:nvPr/>
+      </p:nvGrpSpPr>
+      <p:grpSpPr>
+        <a:xfrm>
+          <a:off x="0" y="0"/>
+          <a:ext cx="0" cy="0"/>
+          <a:chOff x="0" y="0"/>
+          <a:chExt cx="0" cy="0"/>
+        </a:xfrm>
+      </p:grpSpPr>
+      <p:grpSp>
+        <p:nvGrpSpPr>
+          <p:cNvPr id="11" name="Group 10">
+            <a:extLst>
+              <a:ext uri="{FF2B5EF4-FFF2-40B4-BE49-F238E27FC236}">
+                <a16:creationId xmlns:a16="http://schemas.microsoft.com/office/drawing/2014/main" id="{986E5AAE-E702-A5F6-AC6E-06EC845CDC0E}"/>
+              </a:ext>
+            </a:extLst>
+          </p:cNvPr>
+          <p:cNvGrpSpPr/>
+          <p:nvPr/>
+        </p:nvGrpSpPr>
+        <p:grpSpPr>
+          <a:xfrm>
+            <a:off x="0" y="1173694"/>
+            <a:ext cx="6858000" cy="6789881"/>
+            <a:chOff x="0" y="1173694"/>
+            <a:chExt cx="6858000" cy="6789881"/>
+          </a:xfrm>
+        </p:grpSpPr>
+        <p:pic>
+          <p:nvPicPr>
+            <p:cNvPr id="7" name="Picture 6">
+              <a:extLst>
+                <a:ext uri="{FF2B5EF4-FFF2-40B4-BE49-F238E27FC236}">
+                  <a16:creationId xmlns:a16="http://schemas.microsoft.com/office/drawing/2014/main" id="{B920173E-021B-9D03-69FE-E1ECE4F55506}"/>
+                </a:ext>
+              </a:extLst>
+            </p:cNvPr>
+            <p:cNvPicPr>
+              <a:picLocks noChangeAspect="1"/>
+            </p:cNvPicPr>
+            <p:nvPr/>
+          </p:nvPicPr>
+          <p:blipFill>
+            <a:blip r:embed="rId2"/>
+            <a:stretch>
+              <a:fillRect/>
+            </a:stretch>
+          </p:blipFill>
+          <p:spPr>
+            <a:xfrm>
+              <a:off x="0" y="1173694"/>
+              <a:ext cx="6858000" cy="703625"/>
+            </a:xfrm>
+            <a:prstGeom prst="rect">
+              <a:avLst/>
+            </a:prstGeom>
+          </p:spPr>
+        </p:pic>
+        <p:pic>
+          <p:nvPicPr>
+            <p:cNvPr id="10" name="Picture 9">
+              <a:extLst>
+                <a:ext uri="{FF2B5EF4-FFF2-40B4-BE49-F238E27FC236}">
+                  <a16:creationId xmlns:a16="http://schemas.microsoft.com/office/drawing/2014/main" id="{DF64472B-3002-AB3A-0DFB-2AE2E5AC6669}"/>
+                </a:ext>
+              </a:extLst>
+            </p:cNvPr>
+            <p:cNvPicPr>
+              <a:picLocks noChangeAspect="1"/>
+            </p:cNvPicPr>
+            <p:nvPr/>
+          </p:nvPicPr>
+          <p:blipFill>
+            <a:blip r:embed="rId3"/>
+            <a:stretch>
+              <a:fillRect/>
+            </a:stretch>
+          </p:blipFill>
+          <p:spPr>
+            <a:xfrm>
+              <a:off x="0" y="1877319"/>
+              <a:ext cx="6858000" cy="6086256"/>
+            </a:xfrm>
+            <a:prstGeom prst="rect">
+              <a:avLst/>
+            </a:prstGeom>
+          </p:spPr>
+        </p:pic>
+      </p:grpSp>
+      <mc:AlternateContent xmlns:mc="http://schemas.openxmlformats.org/markup-compatibility/2006">
+        <mc:Choice xmlns:p14="http://schemas.microsoft.com/office/powerpoint/2010/main" Requires="p14">
+          <p:contentPart p14:bwMode="auto" r:id="rId4">
+            <p14:nvContentPartPr>
+              <p14:cNvPr id="4" name="Ink 3">
+                <a:extLst>
+                  <a:ext uri="{FF2B5EF4-FFF2-40B4-BE49-F238E27FC236}">
+                    <a16:creationId xmlns:a16="http://schemas.microsoft.com/office/drawing/2014/main" id="{FA68C7C2-DCAD-6F5D-2C7C-96EF3A05C44D}"/>
+                  </a:ext>
+                </a:extLst>
+              </p14:cNvPr>
+              <p14:cNvContentPartPr/>
+              <p14:nvPr/>
+            </p14:nvContentPartPr>
+            <p14:xfrm>
+              <a:off x="2102880" y="2371140"/>
+              <a:ext cx="1144080" cy="37800"/>
+            </p14:xfrm>
+          </p:contentPart>
+        </mc:Choice>
+        <mc:Fallback>
+          <p:pic>
+            <p:nvPicPr>
+              <p:cNvPr id="4" name="Ink 3">
+                <a:extLst>
+                  <a:ext uri="{FF2B5EF4-FFF2-40B4-BE49-F238E27FC236}">
+                    <a16:creationId xmlns:a16="http://schemas.microsoft.com/office/drawing/2014/main" id="{FA68C7C2-DCAD-6F5D-2C7C-96EF3A05C44D}"/>
+                  </a:ext>
+                </a:extLst>
+              </p:cNvPr>
+              <p:cNvPicPr/>
+              <p:nvPr/>
+            </p:nvPicPr>
+            <p:blipFill>
+              <a:blip r:embed="rId5"/>
+              <a:stretch>
+                <a:fillRect/>
+              </a:stretch>
+            </p:blipFill>
+            <p:spPr>
+              <a:xfrm>
+                <a:off x="2049240" y="2263500"/>
+                <a:ext cx="1251720" cy="253440"/>
+              </a:xfrm>
+              <a:prstGeom prst="rect">
+                <a:avLst/>
+              </a:prstGeom>
+            </p:spPr>
+          </p:pic>
+        </mc:Fallback>
+      </mc:AlternateContent>
+      <mc:AlternateContent xmlns:mc="http://schemas.openxmlformats.org/markup-compatibility/2006">
+        <mc:Choice xmlns:p14="http://schemas.microsoft.com/office/powerpoint/2010/main" Requires="p14">
+          <p:contentPart p14:bwMode="auto" r:id="rId6">
+            <p14:nvContentPartPr>
+              <p14:cNvPr id="5" name="Ink 4">
+                <a:extLst>
+                  <a:ext uri="{FF2B5EF4-FFF2-40B4-BE49-F238E27FC236}">
+                    <a16:creationId xmlns:a16="http://schemas.microsoft.com/office/drawing/2014/main" id="{18D83DF7-5237-A84B-ACEA-F562D264DA99}"/>
+                  </a:ext>
+                </a:extLst>
+              </p14:cNvPr>
+              <p14:cNvContentPartPr/>
+              <p14:nvPr/>
+            </p14:nvContentPartPr>
+            <p14:xfrm>
+              <a:off x="1386480" y="2664900"/>
+              <a:ext cx="2064600" cy="64080"/>
+            </p14:xfrm>
+          </p:contentPart>
+        </mc:Choice>
+        <mc:Fallback>
+          <p:pic>
+            <p:nvPicPr>
+              <p:cNvPr id="5" name="Ink 4">
+                <a:extLst>
+                  <a:ext uri="{FF2B5EF4-FFF2-40B4-BE49-F238E27FC236}">
+                    <a16:creationId xmlns:a16="http://schemas.microsoft.com/office/drawing/2014/main" id="{18D83DF7-5237-A84B-ACEA-F562D264DA99}"/>
+                  </a:ext>
+                </a:extLst>
+              </p:cNvPr>
+              <p:cNvPicPr/>
+              <p:nvPr/>
+            </p:nvPicPr>
+            <p:blipFill>
+              <a:blip r:embed="rId7"/>
+              <a:stretch>
+                <a:fillRect/>
+              </a:stretch>
+            </p:blipFill>
+            <p:spPr>
+              <a:xfrm>
+                <a:off x="1332840" y="2556900"/>
+                <a:ext cx="2172240" cy="279720"/>
+              </a:xfrm>
+              <a:prstGeom prst="rect">
+                <a:avLst/>
+              </a:prstGeom>
+            </p:spPr>
+          </p:pic>
+        </mc:Fallback>
+      </mc:AlternateContent>
+      <mc:AlternateContent xmlns:mc="http://schemas.openxmlformats.org/markup-compatibility/2006">
+        <mc:Choice xmlns:p14="http://schemas.microsoft.com/office/powerpoint/2010/main" Requires="p14">
+          <p:contentPart p14:bwMode="auto" r:id="rId8">
+            <p14:nvContentPartPr>
+              <p14:cNvPr id="8" name="Ink 7">
+                <a:extLst>
+                  <a:ext uri="{FF2B5EF4-FFF2-40B4-BE49-F238E27FC236}">
+                    <a16:creationId xmlns:a16="http://schemas.microsoft.com/office/drawing/2014/main" id="{D696EBE0-986F-0F50-BC07-7B10A3750F59}"/>
+                  </a:ext>
+                </a:extLst>
+              </p14:cNvPr>
+              <p14:cNvContentPartPr/>
+              <p14:nvPr/>
+            </p14:nvContentPartPr>
+            <p14:xfrm>
+              <a:off x="3847800" y="2673180"/>
+              <a:ext cx="1820520" cy="55080"/>
+            </p14:xfrm>
+          </p:contentPart>
+        </mc:Choice>
+        <mc:Fallback>
+          <p:pic>
+            <p:nvPicPr>
+              <p:cNvPr id="8" name="Ink 7">
+                <a:extLst>
+                  <a:ext uri="{FF2B5EF4-FFF2-40B4-BE49-F238E27FC236}">
+                    <a16:creationId xmlns:a16="http://schemas.microsoft.com/office/drawing/2014/main" id="{D696EBE0-986F-0F50-BC07-7B10A3750F59}"/>
+                  </a:ext>
+                </a:extLst>
+              </p:cNvPr>
+              <p:cNvPicPr/>
+              <p:nvPr/>
+            </p:nvPicPr>
+            <p:blipFill>
+              <a:blip r:embed="rId9"/>
+              <a:stretch>
+                <a:fillRect/>
+              </a:stretch>
+            </p:blipFill>
+            <p:spPr>
+              <a:xfrm>
+                <a:off x="3794160" y="2565540"/>
+                <a:ext cx="1928160" cy="270720"/>
+              </a:xfrm>
+              <a:prstGeom prst="rect">
+                <a:avLst/>
+              </a:prstGeom>
+            </p:spPr>
+          </p:pic>
+        </mc:Fallback>
+      </mc:AlternateContent>
+      <mc:AlternateContent xmlns:mc="http://schemas.openxmlformats.org/markup-compatibility/2006">
+        <mc:Choice xmlns:p14="http://schemas.microsoft.com/office/powerpoint/2010/main" Requires="p14">
+          <p:contentPart p14:bwMode="auto" r:id="rId10">
+            <p14:nvContentPartPr>
+              <p14:cNvPr id="9" name="Ink 8">
+                <a:extLst>
+                  <a:ext uri="{FF2B5EF4-FFF2-40B4-BE49-F238E27FC236}">
+                    <a16:creationId xmlns:a16="http://schemas.microsoft.com/office/drawing/2014/main" id="{F1F80AC8-D2F5-D352-B451-86FE5747A644}"/>
+                  </a:ext>
+                </a:extLst>
+              </p14:cNvPr>
+              <p14:cNvContentPartPr/>
+              <p14:nvPr/>
+            </p14:nvContentPartPr>
+            <p14:xfrm>
+              <a:off x="388200" y="2971260"/>
+              <a:ext cx="2651400" cy="70200"/>
+            </p14:xfrm>
+          </p:contentPart>
+        </mc:Choice>
+        <mc:Fallback>
+          <p:pic>
+            <p:nvPicPr>
+              <p:cNvPr id="9" name="Ink 8">
+                <a:extLst>
+                  <a:ext uri="{FF2B5EF4-FFF2-40B4-BE49-F238E27FC236}">
+                    <a16:creationId xmlns:a16="http://schemas.microsoft.com/office/drawing/2014/main" id="{F1F80AC8-D2F5-D352-B451-86FE5747A644}"/>
+                  </a:ext>
+                </a:extLst>
+              </p:cNvPr>
+              <p:cNvPicPr/>
+              <p:nvPr/>
+            </p:nvPicPr>
+            <p:blipFill>
+              <a:blip r:embed="rId11"/>
+              <a:stretch>
+                <a:fillRect/>
+              </a:stretch>
+            </p:blipFill>
+            <p:spPr>
+              <a:xfrm>
+                <a:off x="334560" y="2863620"/>
+                <a:ext cx="2759040" cy="285840"/>
+              </a:xfrm>
+              <a:prstGeom prst="rect">
+                <a:avLst/>
+              </a:prstGeom>
+            </p:spPr>
+          </p:pic>
+        </mc:Fallback>
+      </mc:AlternateContent>
+      <mc:AlternateContent xmlns:mc="http://schemas.openxmlformats.org/markup-compatibility/2006">
+        <mc:Choice xmlns:p14="http://schemas.microsoft.com/office/powerpoint/2010/main" Requires="p14">
+          <p:contentPart p14:bwMode="auto" r:id="rId12">
+            <p14:nvContentPartPr>
+              <p14:cNvPr id="12" name="Ink 11">
+                <a:extLst>
+                  <a:ext uri="{FF2B5EF4-FFF2-40B4-BE49-F238E27FC236}">
+                    <a16:creationId xmlns:a16="http://schemas.microsoft.com/office/drawing/2014/main" id="{62464443-85AC-A7CC-EDAB-FC776D4BB1FE}"/>
+                  </a:ext>
+                </a:extLst>
+              </p14:cNvPr>
+              <p14:cNvContentPartPr/>
+              <p14:nvPr/>
+            </p14:nvContentPartPr>
+            <p14:xfrm>
+              <a:off x="403680" y="3314700"/>
+              <a:ext cx="1333080" cy="77040"/>
+            </p14:xfrm>
+          </p:contentPart>
+        </mc:Choice>
+        <mc:Fallback>
+          <p:pic>
+            <p:nvPicPr>
+              <p:cNvPr id="12" name="Ink 11">
+                <a:extLst>
+                  <a:ext uri="{FF2B5EF4-FFF2-40B4-BE49-F238E27FC236}">
+                    <a16:creationId xmlns:a16="http://schemas.microsoft.com/office/drawing/2014/main" id="{62464443-85AC-A7CC-EDAB-FC776D4BB1FE}"/>
+                  </a:ext>
+                </a:extLst>
+              </p:cNvPr>
+              <p:cNvPicPr/>
+              <p:nvPr/>
+            </p:nvPicPr>
+            <p:blipFill>
+              <a:blip r:embed="rId13"/>
+              <a:stretch>
+                <a:fillRect/>
+              </a:stretch>
+            </p:blipFill>
+            <p:spPr>
+              <a:xfrm>
+                <a:off x="350040" y="3206700"/>
+                <a:ext cx="1440720" cy="292680"/>
+              </a:xfrm>
+              <a:prstGeom prst="rect">
+                <a:avLst/>
+              </a:prstGeom>
+            </p:spPr>
+          </p:pic>
+        </mc:Fallback>
+      </mc:AlternateContent>
+      <mc:AlternateContent xmlns:mc="http://schemas.openxmlformats.org/markup-compatibility/2006">
+        <mc:Choice xmlns:p14="http://schemas.microsoft.com/office/powerpoint/2010/main" Requires="p14">
+          <p:contentPart p14:bwMode="auto" r:id="rId14">
+            <p14:nvContentPartPr>
+              <p14:cNvPr id="14" name="Ink 13">
+                <a:extLst>
+                  <a:ext uri="{FF2B5EF4-FFF2-40B4-BE49-F238E27FC236}">
+                    <a16:creationId xmlns:a16="http://schemas.microsoft.com/office/drawing/2014/main" id="{DF58191D-D8AB-75D9-08CC-56EBFE4ED70A}"/>
+                  </a:ext>
+                </a:extLst>
+              </p14:cNvPr>
+              <p14:cNvContentPartPr/>
+              <p14:nvPr/>
+            </p14:nvContentPartPr>
+            <p14:xfrm>
+              <a:off x="396120" y="3603420"/>
+              <a:ext cx="1794960" cy="93240"/>
+            </p14:xfrm>
+          </p:contentPart>
+        </mc:Choice>
+        <mc:Fallback>
+          <p:pic>
+            <p:nvPicPr>
+              <p:cNvPr id="14" name="Ink 13">
+                <a:extLst>
+                  <a:ext uri="{FF2B5EF4-FFF2-40B4-BE49-F238E27FC236}">
+                    <a16:creationId xmlns:a16="http://schemas.microsoft.com/office/drawing/2014/main" id="{DF58191D-D8AB-75D9-08CC-56EBFE4ED70A}"/>
+                  </a:ext>
+                </a:extLst>
+              </p:cNvPr>
+              <p:cNvPicPr/>
+              <p:nvPr/>
+            </p:nvPicPr>
+            <p:blipFill>
+              <a:blip r:embed="rId15"/>
+              <a:stretch>
+                <a:fillRect/>
+              </a:stretch>
+            </p:blipFill>
+            <p:spPr>
+              <a:xfrm>
+                <a:off x="342480" y="3495420"/>
+                <a:ext cx="1902600" cy="308880"/>
+              </a:xfrm>
+              <a:prstGeom prst="rect">
+                <a:avLst/>
+              </a:prstGeom>
+            </p:spPr>
+          </p:pic>
+        </mc:Fallback>
+      </mc:AlternateContent>
+    </p:spTree>
+    <p:extLst>
+      <p:ext uri="{BB962C8B-B14F-4D97-AF65-F5344CB8AC3E}">
+        <p14:creationId xmlns:p14="http://schemas.microsoft.com/office/powerpoint/2010/main" val="1596833995"/>
       </p:ext>
     </p:extLst>
   </p:cSld>
